--- a/kikaku_2_夏休みのイベント/夏休みの体験.pptx
+++ b/kikaku_2_夏休みのイベント/夏休みの体験.pptx
@@ -7,6 +7,8 @@
   <p:sldIdLst>
     <p:sldId id="257" r:id="rId2"/>
     <p:sldId id="256" r:id="rId3"/>
+    <p:sldId id="258" r:id="rId4"/>
+    <p:sldId id="259" r:id="rId5"/>
   </p:sldIdLst>
   <p:sldSz cx="12192000" cy="6858000"/>
   <p:notesSz cx="6858000" cy="9144000"/>
@@ -105,6 +107,11 @@
       </a:defRPr>
     </a:lvl9pPr>
   </p:defaultTextStyle>
+  <p:extLst>
+    <p:ext uri="{EFAFB233-063F-42B5-8137-9DF3F51BA10A}">
+      <p15:sldGuideLst xmlns:p15="http://schemas.microsoft.com/office/powerpoint/2012/main"/>
+    </p:ext>
+  </p:extLst>
 </p:presentation>
 </file>
 
@@ -255,7 +262,7 @@
           <a:p>
             <a:fld id="{08EC3D94-4284-484C-8589-497465222CA3}" type="datetimeFigureOut">
               <a:rPr kumimoji="1" lang="ja-JP" altLang="en-US" smtClean="0"/>
-              <a:t>2023/9/4</a:t>
+              <a:t>2023/9/5</a:t>
             </a:fld>
             <a:endParaRPr kumimoji="1" lang="ja-JP" altLang="en-US"/>
           </a:p>
@@ -485,7 +492,7 @@
           <a:p>
             <a:fld id="{08EC3D94-4284-484C-8589-497465222CA3}" type="datetimeFigureOut">
               <a:rPr kumimoji="1" lang="ja-JP" altLang="en-US" smtClean="0"/>
-              <a:t>2023/9/4</a:t>
+              <a:t>2023/9/5</a:t>
             </a:fld>
             <a:endParaRPr kumimoji="1" lang="ja-JP" altLang="en-US"/>
           </a:p>
@@ -725,7 +732,7 @@
           <a:p>
             <a:fld id="{08EC3D94-4284-484C-8589-497465222CA3}" type="datetimeFigureOut">
               <a:rPr kumimoji="1" lang="ja-JP" altLang="en-US" smtClean="0"/>
-              <a:t>2023/9/4</a:t>
+              <a:t>2023/9/5</a:t>
             </a:fld>
             <a:endParaRPr kumimoji="1" lang="ja-JP" altLang="en-US"/>
           </a:p>
@@ -955,7 +962,7 @@
           <a:p>
             <a:fld id="{08EC3D94-4284-484C-8589-497465222CA3}" type="datetimeFigureOut">
               <a:rPr kumimoji="1" lang="ja-JP" altLang="en-US" smtClean="0"/>
-              <a:t>2023/9/4</a:t>
+              <a:t>2023/9/5</a:t>
             </a:fld>
             <a:endParaRPr kumimoji="1" lang="ja-JP" altLang="en-US"/>
           </a:p>
@@ -1230,7 +1237,7 @@
           <a:p>
             <a:fld id="{08EC3D94-4284-484C-8589-497465222CA3}" type="datetimeFigureOut">
               <a:rPr kumimoji="1" lang="ja-JP" altLang="en-US" smtClean="0"/>
-              <a:t>2023/9/4</a:t>
+              <a:t>2023/9/5</a:t>
             </a:fld>
             <a:endParaRPr kumimoji="1" lang="ja-JP" altLang="en-US"/>
           </a:p>
@@ -1559,7 +1566,7 @@
           <a:p>
             <a:fld id="{08EC3D94-4284-484C-8589-497465222CA3}" type="datetimeFigureOut">
               <a:rPr kumimoji="1" lang="ja-JP" altLang="en-US" smtClean="0"/>
-              <a:t>2023/9/4</a:t>
+              <a:t>2023/9/5</a:t>
             </a:fld>
             <a:endParaRPr kumimoji="1" lang="ja-JP" altLang="en-US"/>
           </a:p>
@@ -2035,7 +2042,7 @@
           <a:p>
             <a:fld id="{08EC3D94-4284-484C-8589-497465222CA3}" type="datetimeFigureOut">
               <a:rPr kumimoji="1" lang="ja-JP" altLang="en-US" smtClean="0"/>
-              <a:t>2023/9/4</a:t>
+              <a:t>2023/9/5</a:t>
             </a:fld>
             <a:endParaRPr kumimoji="1" lang="ja-JP" altLang="en-US"/>
           </a:p>
@@ -2176,7 +2183,7 @@
           <a:p>
             <a:fld id="{08EC3D94-4284-484C-8589-497465222CA3}" type="datetimeFigureOut">
               <a:rPr kumimoji="1" lang="ja-JP" altLang="en-US" smtClean="0"/>
-              <a:t>2023/9/4</a:t>
+              <a:t>2023/9/5</a:t>
             </a:fld>
             <a:endParaRPr kumimoji="1" lang="ja-JP" altLang="en-US"/>
           </a:p>
@@ -2289,7 +2296,7 @@
           <a:p>
             <a:fld id="{08EC3D94-4284-484C-8589-497465222CA3}" type="datetimeFigureOut">
               <a:rPr kumimoji="1" lang="ja-JP" altLang="en-US" smtClean="0"/>
-              <a:t>2023/9/4</a:t>
+              <a:t>2023/9/5</a:t>
             </a:fld>
             <a:endParaRPr kumimoji="1" lang="ja-JP" altLang="en-US"/>
           </a:p>
@@ -2632,7 +2639,7 @@
           <a:p>
             <a:fld id="{08EC3D94-4284-484C-8589-497465222CA3}" type="datetimeFigureOut">
               <a:rPr kumimoji="1" lang="ja-JP" altLang="en-US" smtClean="0"/>
-              <a:t>2023/9/4</a:t>
+              <a:t>2023/9/5</a:t>
             </a:fld>
             <a:endParaRPr kumimoji="1" lang="ja-JP" altLang="en-US"/>
           </a:p>
@@ -2920,7 +2927,7 @@
           <a:p>
             <a:fld id="{08EC3D94-4284-484C-8589-497465222CA3}" type="datetimeFigureOut">
               <a:rPr kumimoji="1" lang="ja-JP" altLang="en-US" smtClean="0"/>
-              <a:t>2023/9/4</a:t>
+              <a:t>2023/9/5</a:t>
             </a:fld>
             <a:endParaRPr kumimoji="1" lang="ja-JP" altLang="en-US"/>
           </a:p>
@@ -3193,7 +3200,7 @@
           <a:p>
             <a:fld id="{08EC3D94-4284-484C-8589-497465222CA3}" type="datetimeFigureOut">
               <a:rPr kumimoji="1" lang="ja-JP" altLang="en-US" smtClean="0"/>
-              <a:t>2023/9/4</a:t>
+              <a:t>2023/9/5</a:t>
             </a:fld>
             <a:endParaRPr kumimoji="1" lang="ja-JP" altLang="en-US"/>
           </a:p>
@@ -3953,6 +3960,374 @@
 </p:sld>
 </file>
 
+<file path=ppt/slides/slide3.xml><?xml version="1.0" encoding="utf-8"?>
+<p:sld xmlns:a="http://schemas.openxmlformats.org/drawingml/2006/main" xmlns:r="http://schemas.openxmlformats.org/officeDocument/2006/relationships" xmlns:p="http://schemas.openxmlformats.org/presentationml/2006/main">
+  <p:cSld>
+    <p:spTree>
+      <p:nvGrpSpPr>
+        <p:cNvPr id="1" name=""/>
+        <p:cNvGrpSpPr/>
+        <p:nvPr/>
+      </p:nvGrpSpPr>
+      <p:grpSpPr>
+        <a:xfrm>
+          <a:off x="0" y="0"/>
+          <a:ext cx="0" cy="0"/>
+          <a:chOff x="0" y="0"/>
+          <a:chExt cx="0" cy="0"/>
+        </a:xfrm>
+      </p:grpSpPr>
+      <p:pic>
+        <p:nvPicPr>
+          <p:cNvPr id="3" name="図 2">
+            <a:extLst>
+              <a:ext uri="{FF2B5EF4-FFF2-40B4-BE49-F238E27FC236}">
+                <a16:creationId xmlns:a16="http://schemas.microsoft.com/office/drawing/2014/main" id="{C97AC0A7-2BE2-4EFC-B5B5-083A0584CD3F}"/>
+              </a:ext>
+            </a:extLst>
+          </p:cNvPr>
+          <p:cNvPicPr>
+            <a:picLocks noChangeAspect="1"/>
+          </p:cNvPicPr>
+          <p:nvPr/>
+        </p:nvPicPr>
+        <p:blipFill>
+          <a:blip r:embed="rId2">
+            <a:extLst>
+              <a:ext uri="{28A0092B-C50C-407E-A947-70E740481C1C}">
+                <a14:useLocalDpi xmlns:a14="http://schemas.microsoft.com/office/drawing/2010/main" val="0"/>
+              </a:ext>
+            </a:extLst>
+          </a:blip>
+          <a:stretch>
+            <a:fillRect/>
+          </a:stretch>
+        </p:blipFill>
+        <p:spPr>
+          <a:xfrm>
+            <a:off x="0" y="0"/>
+            <a:ext cx="12192000" cy="6858000"/>
+          </a:xfrm>
+          <a:prstGeom prst="rect">
+            <a:avLst/>
+          </a:prstGeom>
+        </p:spPr>
+      </p:pic>
+      <p:sp>
+        <p:nvSpPr>
+          <p:cNvPr id="4" name="正方形/長方形 3">
+            <a:extLst>
+              <a:ext uri="{FF2B5EF4-FFF2-40B4-BE49-F238E27FC236}">
+                <a16:creationId xmlns:a16="http://schemas.microsoft.com/office/drawing/2014/main" id="{2F42C965-2DBC-4C3A-8D04-4E9FCF684E1E}"/>
+              </a:ext>
+            </a:extLst>
+          </p:cNvPr>
+          <p:cNvSpPr/>
+          <p:nvPr/>
+        </p:nvSpPr>
+        <p:spPr>
+          <a:xfrm>
+            <a:off x="8144933" y="931333"/>
+            <a:ext cx="1253067" cy="643467"/>
+          </a:xfrm>
+          <a:prstGeom prst="rect">
+            <a:avLst/>
+          </a:prstGeom>
+          <a:ln>
+            <a:noFill/>
+          </a:ln>
+        </p:spPr>
+        <p:style>
+          <a:lnRef idx="2">
+            <a:schemeClr val="accent6"/>
+          </a:lnRef>
+          <a:fillRef idx="1">
+            <a:schemeClr val="lt1"/>
+          </a:fillRef>
+          <a:effectRef idx="0">
+            <a:schemeClr val="accent6"/>
+          </a:effectRef>
+          <a:fontRef idx="minor">
+            <a:schemeClr val="dk1"/>
+          </a:fontRef>
+        </p:style>
+        <p:txBody>
+          <a:bodyPr rtlCol="0" anchor="ctr"/>
+          <a:lstStyle/>
+          <a:p>
+            <a:pPr algn="ctr"/>
+            <a:endParaRPr kumimoji="1" lang="ja-JP" altLang="en-US"/>
+          </a:p>
+        </p:txBody>
+      </p:sp>
+      <p:sp>
+        <p:nvSpPr>
+          <p:cNvPr id="5" name="テキスト ボックス 4">
+            <a:extLst>
+              <a:ext uri="{FF2B5EF4-FFF2-40B4-BE49-F238E27FC236}">
+                <a16:creationId xmlns:a16="http://schemas.microsoft.com/office/drawing/2014/main" id="{EDC0D05E-A7F6-4F0F-88A8-354EE1F0BE9D}"/>
+              </a:ext>
+            </a:extLst>
+          </p:cNvPr>
+          <p:cNvSpPr txBox="1"/>
+          <p:nvPr/>
+        </p:nvSpPr>
+        <p:spPr>
+          <a:xfrm>
+            <a:off x="7924799" y="791401"/>
+            <a:ext cx="3626153" cy="923330"/>
+          </a:xfrm>
+          <a:prstGeom prst="rect">
+            <a:avLst/>
+          </a:prstGeom>
+          <a:noFill/>
+        </p:spPr>
+        <p:txBody>
+          <a:bodyPr wrap="square" rtlCol="0">
+            <a:spAutoFit/>
+          </a:bodyPr>
+          <a:lstStyle/>
+          <a:p>
+            <a:pPr algn="ctr"/>
+            <a:r>
+              <a:rPr lang="ja-JP" altLang="en-US" sz="5400" dirty="0"/>
+              <a:t>かったこと</a:t>
+            </a:r>
+            <a:endParaRPr kumimoji="1" lang="ja-JP" altLang="en-US" sz="5400" dirty="0"/>
+          </a:p>
+        </p:txBody>
+      </p:sp>
+    </p:spTree>
+    <p:extLst>
+      <p:ext uri="{BB962C8B-B14F-4D97-AF65-F5344CB8AC3E}">
+        <p14:creationId xmlns:p14="http://schemas.microsoft.com/office/powerpoint/2010/main" val="3711855464"/>
+      </p:ext>
+    </p:extLst>
+  </p:cSld>
+  <p:clrMapOvr>
+    <a:masterClrMapping/>
+  </p:clrMapOvr>
+</p:sld>
+</file>
+
+<file path=ppt/slides/slide4.xml><?xml version="1.0" encoding="utf-8"?>
+<p:sld xmlns:a="http://schemas.openxmlformats.org/drawingml/2006/main" xmlns:r="http://schemas.openxmlformats.org/officeDocument/2006/relationships" xmlns:p="http://schemas.openxmlformats.org/presentationml/2006/main">
+  <p:cSld>
+    <p:spTree>
+      <p:nvGrpSpPr>
+        <p:cNvPr id="1" name=""/>
+        <p:cNvGrpSpPr/>
+        <p:nvPr/>
+      </p:nvGrpSpPr>
+      <p:grpSpPr>
+        <a:xfrm>
+          <a:off x="0" y="0"/>
+          <a:ext cx="0" cy="0"/>
+          <a:chOff x="0" y="0"/>
+          <a:chExt cx="0" cy="0"/>
+        </a:xfrm>
+      </p:grpSpPr>
+      <p:pic>
+        <p:nvPicPr>
+          <p:cNvPr id="3" name="図 2">
+            <a:extLst>
+              <a:ext uri="{FF2B5EF4-FFF2-40B4-BE49-F238E27FC236}">
+                <a16:creationId xmlns:a16="http://schemas.microsoft.com/office/drawing/2014/main" id="{CDB75D82-CD02-4CEE-A114-74259DA0C912}"/>
+              </a:ext>
+            </a:extLst>
+          </p:cNvPr>
+          <p:cNvPicPr>
+            <a:picLocks noChangeAspect="1"/>
+          </p:cNvPicPr>
+          <p:nvPr/>
+        </p:nvPicPr>
+        <p:blipFill>
+          <a:blip r:embed="rId2">
+            <a:extLst>
+              <a:ext uri="{28A0092B-C50C-407E-A947-70E740481C1C}">
+                <a14:useLocalDpi xmlns:a14="http://schemas.microsoft.com/office/drawing/2010/main" val="0"/>
+              </a:ext>
+            </a:extLst>
+          </a:blip>
+          <a:stretch>
+            <a:fillRect/>
+          </a:stretch>
+        </p:blipFill>
+        <p:spPr>
+          <a:xfrm>
+            <a:off x="-219957" y="-1"/>
+            <a:ext cx="6807023" cy="6991829"/>
+          </a:xfrm>
+          <a:prstGeom prst="rect">
+            <a:avLst/>
+          </a:prstGeom>
+        </p:spPr>
+      </p:pic>
+      <p:sp>
+        <p:nvSpPr>
+          <p:cNvPr id="4" name="テキスト ボックス 3">
+            <a:extLst>
+              <a:ext uri="{FF2B5EF4-FFF2-40B4-BE49-F238E27FC236}">
+                <a16:creationId xmlns:a16="http://schemas.microsoft.com/office/drawing/2014/main" id="{2E18DC6C-6378-4453-9DBC-8412FE10394D}"/>
+              </a:ext>
+            </a:extLst>
+          </p:cNvPr>
+          <p:cNvSpPr txBox="1"/>
+          <p:nvPr/>
+        </p:nvSpPr>
+        <p:spPr>
+          <a:xfrm>
+            <a:off x="6807200" y="186267"/>
+            <a:ext cx="5249333" cy="646331"/>
+          </a:xfrm>
+          <a:prstGeom prst="rect">
+            <a:avLst/>
+          </a:prstGeom>
+          <a:noFill/>
+        </p:spPr>
+        <p:txBody>
+          <a:bodyPr wrap="square" rtlCol="0">
+            <a:spAutoFit/>
+          </a:bodyPr>
+          <a:lstStyle/>
+          <a:p>
+            <a:pPr algn="ctr"/>
+            <a:r>
+              <a:rPr kumimoji="1" lang="ja-JP" altLang="en-US" sz="3600" dirty="0"/>
+              <a:t>愛知牧場</a:t>
+            </a:r>
+          </a:p>
+        </p:txBody>
+      </p:sp>
+      <p:sp>
+        <p:nvSpPr>
+          <p:cNvPr id="5" name="テキスト ボックス 4">
+            <a:extLst>
+              <a:ext uri="{FF2B5EF4-FFF2-40B4-BE49-F238E27FC236}">
+                <a16:creationId xmlns:a16="http://schemas.microsoft.com/office/drawing/2014/main" id="{46B5414E-E78A-4942-8AE9-BF3EDE568273}"/>
+              </a:ext>
+            </a:extLst>
+          </p:cNvPr>
+          <p:cNvSpPr txBox="1"/>
+          <p:nvPr/>
+        </p:nvSpPr>
+        <p:spPr>
+          <a:xfrm>
+            <a:off x="6807200" y="1371600"/>
+            <a:ext cx="5029200" cy="4401205"/>
+          </a:xfrm>
+          <a:prstGeom prst="rect">
+            <a:avLst/>
+          </a:prstGeom>
+          <a:noFill/>
+        </p:spPr>
+        <p:txBody>
+          <a:bodyPr wrap="square" rtlCol="0">
+            <a:spAutoFit/>
+          </a:bodyPr>
+          <a:lstStyle/>
+          <a:p>
+            <a:r>
+              <a:rPr lang="ja-JP" altLang="en-US" sz="2000" dirty="0"/>
+              <a:t>乳牛を</a:t>
+            </a:r>
+            <a:r>
+              <a:rPr lang="en-US" altLang="ja-JP" sz="2000" dirty="0"/>
+              <a:t>200</a:t>
+            </a:r>
+            <a:r>
+              <a:rPr lang="ja-JP" altLang="en-US" sz="2000" dirty="0"/>
+              <a:t>頭飼育し、牛乳やアイスクリームの製造・販売を行っている。</a:t>
+            </a:r>
+          </a:p>
+          <a:p>
+            <a:r>
+              <a:rPr lang="ja-JP" altLang="en-US" sz="2000" dirty="0"/>
+              <a:t>創業時から一般人でも出入りは自由で、現在では入場無料の観光牧場としての一面が色濃い。</a:t>
+            </a:r>
+          </a:p>
+          <a:p>
+            <a:r>
+              <a:rPr lang="ja-JP" altLang="en-US" sz="2000" dirty="0"/>
+              <a:t>牧場内では、乳搾り、バター作りなどの体験教室が開催されている。また、乗馬やパターゴルフ、牛や羊、ヤギなどの動物と直接触れ合うことができる。</a:t>
+            </a:r>
+          </a:p>
+          <a:p>
+            <a:r>
+              <a:rPr lang="ja-JP" altLang="en-US" sz="2000" dirty="0"/>
+              <a:t>敷地内には、牧場で取れた牛乳を使ったメニューが揃う喫茶店や</a:t>
+            </a:r>
+            <a:r>
+              <a:rPr lang="en-US" altLang="ja-JP" sz="2000" dirty="0"/>
+              <a:t>35</a:t>
+            </a:r>
+            <a:r>
+              <a:rPr lang="ja-JP" altLang="en-US" sz="2000" dirty="0"/>
+              <a:t>卓あるバーベキュー場など施設もある。</a:t>
+            </a:r>
+          </a:p>
+          <a:p>
+            <a:r>
+              <a:rPr lang="ja-JP" altLang="en-US" sz="2000" dirty="0"/>
+              <a:t>ひまわりやコスモスなど季節の花を使った巨大迷路が登場することもある。</a:t>
+            </a:r>
+            <a:endParaRPr kumimoji="1" lang="ja-JP" altLang="en-US" sz="2000" dirty="0"/>
+          </a:p>
+        </p:txBody>
+      </p:sp>
+      <p:sp>
+        <p:nvSpPr>
+          <p:cNvPr id="7" name="テキスト ボックス 6">
+            <a:extLst>
+              <a:ext uri="{FF2B5EF4-FFF2-40B4-BE49-F238E27FC236}">
+                <a16:creationId xmlns:a16="http://schemas.microsoft.com/office/drawing/2014/main" id="{961B6141-EEA4-4A90-81A8-1C150C91E28C}"/>
+              </a:ext>
+            </a:extLst>
+          </p:cNvPr>
+          <p:cNvSpPr txBox="1"/>
+          <p:nvPr/>
+        </p:nvSpPr>
+        <p:spPr>
+          <a:xfrm>
+            <a:off x="6959600" y="6019419"/>
+            <a:ext cx="4876800" cy="584775"/>
+          </a:xfrm>
+          <a:prstGeom prst="rect">
+            <a:avLst/>
+          </a:prstGeom>
+          <a:noFill/>
+        </p:spPr>
+        <p:txBody>
+          <a:bodyPr wrap="square" rtlCol="0">
+            <a:spAutoFit/>
+          </a:bodyPr>
+          <a:lstStyle/>
+          <a:p>
+            <a:pPr algn="ctr"/>
+            <a:r>
+              <a:rPr kumimoji="1" lang="ja-JP" altLang="en-US" sz="3200" dirty="0">
+                <a:solidFill>
+                  <a:srgbClr val="FF0000"/>
+                </a:solidFill>
+              </a:rPr>
+              <a:t>ただし、台風により中止</a:t>
+            </a:r>
+          </a:p>
+        </p:txBody>
+      </p:sp>
+    </p:spTree>
+    <p:extLst>
+      <p:ext uri="{BB962C8B-B14F-4D97-AF65-F5344CB8AC3E}">
+        <p14:creationId xmlns:p14="http://schemas.microsoft.com/office/powerpoint/2010/main" val="3240473533"/>
+      </p:ext>
+    </p:extLst>
+  </p:cSld>
+  <p:clrMapOvr>
+    <a:masterClrMapping/>
+  </p:clrMapOvr>
+</p:sld>
+</file>
+
 <file path=ppt/theme/theme1.xml><?xml version="1.0" encoding="utf-8"?>
 <a:theme xmlns:a="http://schemas.openxmlformats.org/drawingml/2006/main" name="Office テーマ">
   <a:themeElements>

--- a/kikaku_2_夏休みのイベント/夏休みの体験.pptx
+++ b/kikaku_2_夏休みのイベント/夏休みの体験.pptx
@@ -9,6 +9,7 @@
     <p:sldId id="256" r:id="rId3"/>
     <p:sldId id="258" r:id="rId4"/>
     <p:sldId id="259" r:id="rId5"/>
+    <p:sldId id="260" r:id="rId6"/>
   </p:sldIdLst>
   <p:sldSz cx="12192000" cy="6858000"/>
   <p:notesSz cx="6858000" cy="9144000"/>
@@ -4328,6 +4329,184 @@
 </p:sld>
 </file>
 
+<file path=ppt/slides/slide5.xml><?xml version="1.0" encoding="utf-8"?>
+<p:sld xmlns:a="http://schemas.openxmlformats.org/drawingml/2006/main" xmlns:r="http://schemas.openxmlformats.org/officeDocument/2006/relationships" xmlns:p="http://schemas.openxmlformats.org/presentationml/2006/main">
+  <p:cSld>
+    <p:spTree>
+      <p:nvGrpSpPr>
+        <p:cNvPr id="1" name=""/>
+        <p:cNvGrpSpPr/>
+        <p:nvPr/>
+      </p:nvGrpSpPr>
+      <p:grpSpPr>
+        <a:xfrm>
+          <a:off x="0" y="0"/>
+          <a:ext cx="0" cy="0"/>
+          <a:chOff x="0" y="0"/>
+          <a:chExt cx="0" cy="0"/>
+        </a:xfrm>
+      </p:grpSpPr>
+      <p:pic>
+        <p:nvPicPr>
+          <p:cNvPr id="2" name="図 1">
+            <a:extLst>
+              <a:ext uri="{FF2B5EF4-FFF2-40B4-BE49-F238E27FC236}">
+                <a16:creationId xmlns:a16="http://schemas.microsoft.com/office/drawing/2014/main" id="{5072F0CE-7674-4A21-B453-EAA2A6DEC61F}"/>
+              </a:ext>
+            </a:extLst>
+          </p:cNvPr>
+          <p:cNvPicPr>
+            <a:picLocks noChangeAspect="1"/>
+          </p:cNvPicPr>
+          <p:nvPr/>
+        </p:nvPicPr>
+        <p:blipFill rotWithShape="1">
+          <a:blip r:embed="rId2"/>
+          <a:srcRect l="8293" t="13032" r="17561" b="12601"/>
+          <a:stretch/>
+        </p:blipFill>
+        <p:spPr>
+          <a:xfrm>
+            <a:off x="1" y="0"/>
+            <a:ext cx="6096000" cy="6858000"/>
+          </a:xfrm>
+          <a:prstGeom prst="rect">
+            <a:avLst/>
+          </a:prstGeom>
+        </p:spPr>
+      </p:pic>
+      <p:sp>
+        <p:nvSpPr>
+          <p:cNvPr id="3" name="テキスト ボックス 2">
+            <a:extLst>
+              <a:ext uri="{FF2B5EF4-FFF2-40B4-BE49-F238E27FC236}">
+                <a16:creationId xmlns:a16="http://schemas.microsoft.com/office/drawing/2014/main" id="{013AC0B7-4F64-4ADE-A7D0-CE327C2D1F18}"/>
+              </a:ext>
+            </a:extLst>
+          </p:cNvPr>
+          <p:cNvSpPr txBox="1"/>
+          <p:nvPr/>
+        </p:nvSpPr>
+        <p:spPr>
+          <a:xfrm>
+            <a:off x="6451601" y="186267"/>
+            <a:ext cx="5435600" cy="523220"/>
+          </a:xfrm>
+          <a:prstGeom prst="rect">
+            <a:avLst/>
+          </a:prstGeom>
+          <a:noFill/>
+        </p:spPr>
+        <p:txBody>
+          <a:bodyPr wrap="square" rtlCol="0">
+            <a:spAutoFit/>
+          </a:bodyPr>
+          <a:lstStyle/>
+          <a:p>
+            <a:pPr algn="ctr"/>
+            <a:r>
+              <a:rPr kumimoji="1" lang="ja-JP" altLang="en-US" sz="2800" dirty="0"/>
+              <a:t>リングフィットアドベンチャー</a:t>
+            </a:r>
+          </a:p>
+        </p:txBody>
+      </p:sp>
+      <p:sp>
+        <p:nvSpPr>
+          <p:cNvPr id="4" name="テキスト ボックス 3">
+            <a:extLst>
+              <a:ext uri="{FF2B5EF4-FFF2-40B4-BE49-F238E27FC236}">
+                <a16:creationId xmlns:a16="http://schemas.microsoft.com/office/drawing/2014/main" id="{BF25B3E2-0325-42BA-B282-64A711A3A3D0}"/>
+              </a:ext>
+            </a:extLst>
+          </p:cNvPr>
+          <p:cNvSpPr txBox="1"/>
+          <p:nvPr/>
+        </p:nvSpPr>
+        <p:spPr>
+          <a:xfrm>
+            <a:off x="6451601" y="1117600"/>
+            <a:ext cx="5435600" cy="3108543"/>
+          </a:xfrm>
+          <a:prstGeom prst="rect">
+            <a:avLst/>
+          </a:prstGeom>
+          <a:noFill/>
+        </p:spPr>
+        <p:txBody>
+          <a:bodyPr wrap="square" rtlCol="0">
+            <a:spAutoFit/>
+          </a:bodyPr>
+          <a:lstStyle/>
+          <a:p>
+            <a:r>
+              <a:rPr lang="ja-JP" altLang="en-US" sz="2800" dirty="0"/>
+              <a:t>輪状の機器「リングコン」を両手で持ち、太ももに「レッグバンド」を巻いた状態でプレイし、プレイヤーの動きが画面上の主人公と連動する形式で、アクションゲームや</a:t>
+            </a:r>
+            <a:r>
+              <a:rPr lang="en-US" altLang="ja-JP" sz="2800" dirty="0"/>
+              <a:t>RPG</a:t>
+            </a:r>
+            <a:r>
+              <a:rPr lang="ja-JP" altLang="en-US" sz="2800" dirty="0"/>
+              <a:t>のような冒険を進めていく</a:t>
+            </a:r>
+            <a:endParaRPr kumimoji="1" lang="ja-JP" altLang="en-US" sz="2800" dirty="0"/>
+          </a:p>
+        </p:txBody>
+      </p:sp>
+      <p:sp>
+        <p:nvSpPr>
+          <p:cNvPr id="5" name="テキスト ボックス 4">
+            <a:extLst>
+              <a:ext uri="{FF2B5EF4-FFF2-40B4-BE49-F238E27FC236}">
+                <a16:creationId xmlns:a16="http://schemas.microsoft.com/office/drawing/2014/main" id="{240C983E-DD81-4D53-92A2-B2129965DC5F}"/>
+              </a:ext>
+            </a:extLst>
+          </p:cNvPr>
+          <p:cNvSpPr txBox="1"/>
+          <p:nvPr/>
+        </p:nvSpPr>
+        <p:spPr>
+          <a:xfrm>
+            <a:off x="6451601" y="4555067"/>
+            <a:ext cx="4978399" cy="1200329"/>
+          </a:xfrm>
+          <a:prstGeom prst="rect">
+            <a:avLst/>
+          </a:prstGeom>
+          <a:noFill/>
+        </p:spPr>
+        <p:txBody>
+          <a:bodyPr wrap="square" rtlCol="0">
+            <a:spAutoFit/>
+          </a:bodyPr>
+          <a:lstStyle/>
+          <a:p>
+            <a:r>
+              <a:rPr kumimoji="1" lang="ja-JP" altLang="en-US" sz="3600" dirty="0">
+                <a:solidFill>
+                  <a:srgbClr val="FF0000"/>
+                </a:solidFill>
+              </a:rPr>
+              <a:t>リングコンが妹の手により成仏</a:t>
+            </a:r>
+          </a:p>
+        </p:txBody>
+      </p:sp>
+    </p:spTree>
+    <p:extLst>
+      <p:ext uri="{BB962C8B-B14F-4D97-AF65-F5344CB8AC3E}">
+        <p14:creationId xmlns:p14="http://schemas.microsoft.com/office/powerpoint/2010/main" val="2968413542"/>
+      </p:ext>
+    </p:extLst>
+  </p:cSld>
+  <p:clrMapOvr>
+    <a:masterClrMapping/>
+  </p:clrMapOvr>
+</p:sld>
+</file>
+
 <file path=ppt/theme/theme1.xml><?xml version="1.0" encoding="utf-8"?>
 <a:theme xmlns:a="http://schemas.openxmlformats.org/drawingml/2006/main" name="Office テーマ">
   <a:themeElements>

--- a/kikaku_2_夏休みのイベント/夏休みの体験.pptx
+++ b/kikaku_2_夏休みのイベント/夏休みの体験.pptx
@@ -3958,6 +3958,523 @@
   <p:clrMapOvr>
     <a:masterClrMapping/>
   </p:clrMapOvr>
+  <p:timing>
+    <p:tnLst>
+      <p:par>
+        <p:cTn id="1" dur="indefinite" restart="never" nodeType="tmRoot">
+          <p:childTnLst>
+            <p:seq concurrent="1" nextAc="seek">
+              <p:cTn id="2" dur="indefinite" nodeType="mainSeq">
+                <p:childTnLst>
+                  <p:par>
+                    <p:cTn id="3" fill="hold">
+                      <p:stCondLst>
+                        <p:cond delay="indefinite"/>
+                      </p:stCondLst>
+                      <p:childTnLst>
+                        <p:par>
+                          <p:cTn id="4" fill="hold">
+                            <p:stCondLst>
+                              <p:cond delay="0"/>
+                            </p:stCondLst>
+                            <p:childTnLst>
+                              <p:par>
+                                <p:cTn id="5" presetID="26" presetClass="entr" presetSubtype="0" fill="hold" grpId="0" nodeType="clickEffect">
+                                  <p:stCondLst>
+                                    <p:cond delay="0"/>
+                                  </p:stCondLst>
+                                  <p:childTnLst>
+                                    <p:set>
+                                      <p:cBhvr>
+                                        <p:cTn id="6" dur="1" fill="hold">
+                                          <p:stCondLst>
+                                            <p:cond delay="0"/>
+                                          </p:stCondLst>
+                                        </p:cTn>
+                                        <p:tgtEl>
+                                          <p:spTgt spid="7"/>
+                                        </p:tgtEl>
+                                        <p:attrNameLst>
+                                          <p:attrName>style.visibility</p:attrName>
+                                        </p:attrNameLst>
+                                      </p:cBhvr>
+                                      <p:to>
+                                        <p:strVal val="visible"/>
+                                      </p:to>
+                                    </p:set>
+                                    <p:animEffect transition="in" filter="wipe(down)">
+                                      <p:cBhvr>
+                                        <p:cTn id="7" dur="580">
+                                          <p:stCondLst>
+                                            <p:cond delay="0"/>
+                                          </p:stCondLst>
+                                        </p:cTn>
+                                        <p:tgtEl>
+                                          <p:spTgt spid="7"/>
+                                        </p:tgtEl>
+                                      </p:cBhvr>
+                                    </p:animEffect>
+                                    <p:anim calcmode="lin" valueType="num">
+                                      <p:cBhvr>
+                                        <p:cTn id="8" dur="1822" tmFilter="0,0; 0.14,0.36; 0.43,0.73; 0.71,0.91; 1.0,1.0">
+                                          <p:stCondLst>
+                                            <p:cond delay="0"/>
+                                          </p:stCondLst>
+                                        </p:cTn>
+                                        <p:tgtEl>
+                                          <p:spTgt spid="7"/>
+                                        </p:tgtEl>
+                                        <p:attrNameLst>
+                                          <p:attrName>ppt_x</p:attrName>
+                                        </p:attrNameLst>
+                                      </p:cBhvr>
+                                      <p:tavLst>
+                                        <p:tav tm="0">
+                                          <p:val>
+                                            <p:strVal val="#ppt_x-0.25"/>
+                                          </p:val>
+                                        </p:tav>
+                                        <p:tav tm="100000">
+                                          <p:val>
+                                            <p:strVal val="#ppt_x"/>
+                                          </p:val>
+                                        </p:tav>
+                                      </p:tavLst>
+                                    </p:anim>
+                                    <p:anim calcmode="lin" valueType="num">
+                                      <p:cBhvr>
+                                        <p:cTn id="9" dur="664" tmFilter="0.0,0.0; 0.25,0.07; 0.50,0.2; 0.75,0.467; 1.0,1.0">
+                                          <p:stCondLst>
+                                            <p:cond delay="0"/>
+                                          </p:stCondLst>
+                                        </p:cTn>
+                                        <p:tgtEl>
+                                          <p:spTgt spid="7"/>
+                                        </p:tgtEl>
+                                        <p:attrNameLst>
+                                          <p:attrName>ppt_y</p:attrName>
+                                        </p:attrNameLst>
+                                      </p:cBhvr>
+                                      <p:tavLst>
+                                        <p:tav tm="0" fmla="#ppt_y-sin(pi*$)/3">
+                                          <p:val>
+                                            <p:fltVal val="0.5"/>
+                                          </p:val>
+                                        </p:tav>
+                                        <p:tav tm="100000">
+                                          <p:val>
+                                            <p:fltVal val="1"/>
+                                          </p:val>
+                                        </p:tav>
+                                      </p:tavLst>
+                                    </p:anim>
+                                    <p:anim calcmode="lin" valueType="num">
+                                      <p:cBhvr>
+                                        <p:cTn id="10" dur="664" tmFilter="0, 0; 0.125,0.2665; 0.25,0.4; 0.375,0.465; 0.5,0.5;  0.625,0.535; 0.75,0.6; 0.875,0.7335; 1,1">
+                                          <p:stCondLst>
+                                            <p:cond delay="664"/>
+                                          </p:stCondLst>
+                                        </p:cTn>
+                                        <p:tgtEl>
+                                          <p:spTgt spid="7"/>
+                                        </p:tgtEl>
+                                        <p:attrNameLst>
+                                          <p:attrName>ppt_y</p:attrName>
+                                        </p:attrNameLst>
+                                      </p:cBhvr>
+                                      <p:tavLst>
+                                        <p:tav tm="0" fmla="#ppt_y-sin(pi*$)/9">
+                                          <p:val>
+                                            <p:fltVal val="0"/>
+                                          </p:val>
+                                        </p:tav>
+                                        <p:tav tm="100000">
+                                          <p:val>
+                                            <p:fltVal val="1"/>
+                                          </p:val>
+                                        </p:tav>
+                                      </p:tavLst>
+                                    </p:anim>
+                                    <p:anim calcmode="lin" valueType="num">
+                                      <p:cBhvr>
+                                        <p:cTn id="11" dur="332" tmFilter="0, 0; 0.125,0.2665; 0.25,0.4; 0.375,0.465; 0.5,0.5;  0.625,0.535; 0.75,0.6; 0.875,0.7335; 1,1">
+                                          <p:stCondLst>
+                                            <p:cond delay="1324"/>
+                                          </p:stCondLst>
+                                        </p:cTn>
+                                        <p:tgtEl>
+                                          <p:spTgt spid="7"/>
+                                        </p:tgtEl>
+                                        <p:attrNameLst>
+                                          <p:attrName>ppt_y</p:attrName>
+                                        </p:attrNameLst>
+                                      </p:cBhvr>
+                                      <p:tavLst>
+                                        <p:tav tm="0" fmla="#ppt_y-sin(pi*$)/27">
+                                          <p:val>
+                                            <p:fltVal val="0"/>
+                                          </p:val>
+                                        </p:tav>
+                                        <p:tav tm="100000">
+                                          <p:val>
+                                            <p:fltVal val="1"/>
+                                          </p:val>
+                                        </p:tav>
+                                      </p:tavLst>
+                                    </p:anim>
+                                    <p:anim calcmode="lin" valueType="num">
+                                      <p:cBhvr>
+                                        <p:cTn id="12" dur="164" tmFilter="0, 0; 0.125,0.2665; 0.25,0.4; 0.375,0.465; 0.5,0.5;  0.625,0.535; 0.75,0.6; 0.875,0.7335; 1,1">
+                                          <p:stCondLst>
+                                            <p:cond delay="1656"/>
+                                          </p:stCondLst>
+                                        </p:cTn>
+                                        <p:tgtEl>
+                                          <p:spTgt spid="7"/>
+                                        </p:tgtEl>
+                                        <p:attrNameLst>
+                                          <p:attrName>ppt_y</p:attrName>
+                                        </p:attrNameLst>
+                                      </p:cBhvr>
+                                      <p:tavLst>
+                                        <p:tav tm="0" fmla="#ppt_y-sin(pi*$)/81">
+                                          <p:val>
+                                            <p:fltVal val="0"/>
+                                          </p:val>
+                                        </p:tav>
+                                        <p:tav tm="100000">
+                                          <p:val>
+                                            <p:fltVal val="1"/>
+                                          </p:val>
+                                        </p:tav>
+                                      </p:tavLst>
+                                    </p:anim>
+                                    <p:animScale>
+                                      <p:cBhvr>
+                                        <p:cTn id="13" dur="26">
+                                          <p:stCondLst>
+                                            <p:cond delay="650"/>
+                                          </p:stCondLst>
+                                        </p:cTn>
+                                        <p:tgtEl>
+                                          <p:spTgt spid="7"/>
+                                        </p:tgtEl>
+                                      </p:cBhvr>
+                                      <p:to x="100000" y="60000"/>
+                                    </p:animScale>
+                                    <p:animScale>
+                                      <p:cBhvr>
+                                        <p:cTn id="14" dur="166" decel="50000">
+                                          <p:stCondLst>
+                                            <p:cond delay="676"/>
+                                          </p:stCondLst>
+                                        </p:cTn>
+                                        <p:tgtEl>
+                                          <p:spTgt spid="7"/>
+                                        </p:tgtEl>
+                                      </p:cBhvr>
+                                      <p:to x="100000" y="100000"/>
+                                    </p:animScale>
+                                    <p:animScale>
+                                      <p:cBhvr>
+                                        <p:cTn id="15" dur="26">
+                                          <p:stCondLst>
+                                            <p:cond delay="1312"/>
+                                          </p:stCondLst>
+                                        </p:cTn>
+                                        <p:tgtEl>
+                                          <p:spTgt spid="7"/>
+                                        </p:tgtEl>
+                                      </p:cBhvr>
+                                      <p:to x="100000" y="80000"/>
+                                    </p:animScale>
+                                    <p:animScale>
+                                      <p:cBhvr>
+                                        <p:cTn id="16" dur="166" decel="50000">
+                                          <p:stCondLst>
+                                            <p:cond delay="1338"/>
+                                          </p:stCondLst>
+                                        </p:cTn>
+                                        <p:tgtEl>
+                                          <p:spTgt spid="7"/>
+                                        </p:tgtEl>
+                                      </p:cBhvr>
+                                      <p:to x="100000" y="100000"/>
+                                    </p:animScale>
+                                    <p:animScale>
+                                      <p:cBhvr>
+                                        <p:cTn id="17" dur="26">
+                                          <p:stCondLst>
+                                            <p:cond delay="1642"/>
+                                          </p:stCondLst>
+                                        </p:cTn>
+                                        <p:tgtEl>
+                                          <p:spTgt spid="7"/>
+                                        </p:tgtEl>
+                                      </p:cBhvr>
+                                      <p:to x="100000" y="90000"/>
+                                    </p:animScale>
+                                    <p:animScale>
+                                      <p:cBhvr>
+                                        <p:cTn id="18" dur="166" decel="50000">
+                                          <p:stCondLst>
+                                            <p:cond delay="1668"/>
+                                          </p:stCondLst>
+                                        </p:cTn>
+                                        <p:tgtEl>
+                                          <p:spTgt spid="7"/>
+                                        </p:tgtEl>
+                                      </p:cBhvr>
+                                      <p:to x="100000" y="100000"/>
+                                    </p:animScale>
+                                    <p:animScale>
+                                      <p:cBhvr>
+                                        <p:cTn id="19" dur="26">
+                                          <p:stCondLst>
+                                            <p:cond delay="1808"/>
+                                          </p:stCondLst>
+                                        </p:cTn>
+                                        <p:tgtEl>
+                                          <p:spTgt spid="7"/>
+                                        </p:tgtEl>
+                                      </p:cBhvr>
+                                      <p:to x="100000" y="95000"/>
+                                    </p:animScale>
+                                    <p:animScale>
+                                      <p:cBhvr>
+                                        <p:cTn id="20" dur="166" decel="50000">
+                                          <p:stCondLst>
+                                            <p:cond delay="1834"/>
+                                          </p:stCondLst>
+                                        </p:cTn>
+                                        <p:tgtEl>
+                                          <p:spTgt spid="7"/>
+                                        </p:tgtEl>
+                                      </p:cBhvr>
+                                      <p:to x="100000" y="100000"/>
+                                    </p:animScale>
+                                  </p:childTnLst>
+                                </p:cTn>
+                              </p:par>
+                            </p:childTnLst>
+                          </p:cTn>
+                        </p:par>
+                      </p:childTnLst>
+                    </p:cTn>
+                  </p:par>
+                  <p:par>
+                    <p:cTn id="21" fill="hold">
+                      <p:stCondLst>
+                        <p:cond delay="indefinite"/>
+                      </p:stCondLst>
+                      <p:childTnLst>
+                        <p:par>
+                          <p:cTn id="22" fill="hold">
+                            <p:stCondLst>
+                              <p:cond delay="0"/>
+                            </p:stCondLst>
+                            <p:childTnLst>
+                              <p:par>
+                                <p:cTn id="23" presetID="42" presetClass="entr" presetSubtype="0" fill="hold" grpId="0" nodeType="clickEffect">
+                                  <p:stCondLst>
+                                    <p:cond delay="0"/>
+                                  </p:stCondLst>
+                                  <p:childTnLst>
+                                    <p:set>
+                                      <p:cBhvr>
+                                        <p:cTn id="24" dur="1" fill="hold">
+                                          <p:stCondLst>
+                                            <p:cond delay="0"/>
+                                          </p:stCondLst>
+                                        </p:cTn>
+                                        <p:tgtEl>
+                                          <p:spTgt spid="6"/>
+                                        </p:tgtEl>
+                                        <p:attrNameLst>
+                                          <p:attrName>style.visibility</p:attrName>
+                                        </p:attrNameLst>
+                                      </p:cBhvr>
+                                      <p:to>
+                                        <p:strVal val="visible"/>
+                                      </p:to>
+                                    </p:set>
+                                    <p:animEffect transition="in" filter="fade">
+                                      <p:cBhvr>
+                                        <p:cTn id="25" dur="1000"/>
+                                        <p:tgtEl>
+                                          <p:spTgt spid="6"/>
+                                        </p:tgtEl>
+                                      </p:cBhvr>
+                                    </p:animEffect>
+                                    <p:anim calcmode="lin" valueType="num">
+                                      <p:cBhvr>
+                                        <p:cTn id="26" dur="1000" fill="hold"/>
+                                        <p:tgtEl>
+                                          <p:spTgt spid="6"/>
+                                        </p:tgtEl>
+                                        <p:attrNameLst>
+                                          <p:attrName>ppt_x</p:attrName>
+                                        </p:attrNameLst>
+                                      </p:cBhvr>
+                                      <p:tavLst>
+                                        <p:tav tm="0">
+                                          <p:val>
+                                            <p:strVal val="#ppt_x"/>
+                                          </p:val>
+                                        </p:tav>
+                                        <p:tav tm="100000">
+                                          <p:val>
+                                            <p:strVal val="#ppt_x"/>
+                                          </p:val>
+                                        </p:tav>
+                                      </p:tavLst>
+                                    </p:anim>
+                                    <p:anim calcmode="lin" valueType="num">
+                                      <p:cBhvr>
+                                        <p:cTn id="27" dur="1000" fill="hold"/>
+                                        <p:tgtEl>
+                                          <p:spTgt spid="6"/>
+                                        </p:tgtEl>
+                                        <p:attrNameLst>
+                                          <p:attrName>ppt_y</p:attrName>
+                                        </p:attrNameLst>
+                                      </p:cBhvr>
+                                      <p:tavLst>
+                                        <p:tav tm="0">
+                                          <p:val>
+                                            <p:strVal val="#ppt_y+.1"/>
+                                          </p:val>
+                                        </p:tav>
+                                        <p:tav tm="100000">
+                                          <p:val>
+                                            <p:strVal val="#ppt_y"/>
+                                          </p:val>
+                                        </p:tav>
+                                      </p:tavLst>
+                                    </p:anim>
+                                  </p:childTnLst>
+                                </p:cTn>
+                              </p:par>
+                            </p:childTnLst>
+                          </p:cTn>
+                        </p:par>
+                        <p:par>
+                          <p:cTn id="28" fill="hold">
+                            <p:stCondLst>
+                              <p:cond delay="1000"/>
+                            </p:stCondLst>
+                            <p:childTnLst>
+                              <p:par>
+                                <p:cTn id="29" presetID="16" presetClass="entr" presetSubtype="21" fill="hold" nodeType="afterEffect">
+                                  <p:stCondLst>
+                                    <p:cond delay="0"/>
+                                  </p:stCondLst>
+                                  <p:childTnLst>
+                                    <p:set>
+                                      <p:cBhvr>
+                                        <p:cTn id="30" dur="1" fill="hold">
+                                          <p:stCondLst>
+                                            <p:cond delay="0"/>
+                                          </p:stCondLst>
+                                        </p:cTn>
+                                        <p:tgtEl>
+                                          <p:spTgt spid="5"/>
+                                        </p:tgtEl>
+                                        <p:attrNameLst>
+                                          <p:attrName>style.visibility</p:attrName>
+                                        </p:attrNameLst>
+                                      </p:cBhvr>
+                                      <p:to>
+                                        <p:strVal val="visible"/>
+                                      </p:to>
+                                    </p:set>
+                                    <p:animEffect transition="in" filter="barn(inVertical)">
+                                      <p:cBhvr>
+                                        <p:cTn id="31" dur="500"/>
+                                        <p:tgtEl>
+                                          <p:spTgt spid="5"/>
+                                        </p:tgtEl>
+                                      </p:cBhvr>
+                                    </p:animEffect>
+                                  </p:childTnLst>
+                                </p:cTn>
+                              </p:par>
+                            </p:childTnLst>
+                          </p:cTn>
+                        </p:par>
+                        <p:par>
+                          <p:cTn id="32" fill="hold">
+                            <p:stCondLst>
+                              <p:cond delay="1500"/>
+                            </p:stCondLst>
+                            <p:childTnLst>
+                              <p:par>
+                                <p:cTn id="33" presetID="16" presetClass="entr" presetSubtype="21" fill="hold" nodeType="afterEffect">
+                                  <p:stCondLst>
+                                    <p:cond delay="0"/>
+                                  </p:stCondLst>
+                                  <p:childTnLst>
+                                    <p:set>
+                                      <p:cBhvr>
+                                        <p:cTn id="34" dur="1" fill="hold">
+                                          <p:stCondLst>
+                                            <p:cond delay="0"/>
+                                          </p:stCondLst>
+                                        </p:cTn>
+                                        <p:tgtEl>
+                                          <p:spTgt spid="9"/>
+                                        </p:tgtEl>
+                                        <p:attrNameLst>
+                                          <p:attrName>style.visibility</p:attrName>
+                                        </p:attrNameLst>
+                                      </p:cBhvr>
+                                      <p:to>
+                                        <p:strVal val="visible"/>
+                                      </p:to>
+                                    </p:set>
+                                    <p:animEffect transition="in" filter="barn(inVertical)">
+                                      <p:cBhvr>
+                                        <p:cTn id="35" dur="500"/>
+                                        <p:tgtEl>
+                                          <p:spTgt spid="9"/>
+                                        </p:tgtEl>
+                                      </p:cBhvr>
+                                    </p:animEffect>
+                                  </p:childTnLst>
+                                </p:cTn>
+                              </p:par>
+                            </p:childTnLst>
+                          </p:cTn>
+                        </p:par>
+                      </p:childTnLst>
+                    </p:cTn>
+                  </p:par>
+                </p:childTnLst>
+              </p:cTn>
+              <p:prevCondLst>
+                <p:cond evt="onPrev" delay="0">
+                  <p:tgtEl>
+                    <p:sldTgt/>
+                  </p:tgtEl>
+                </p:cond>
+              </p:prevCondLst>
+              <p:nextCondLst>
+                <p:cond evt="onNext" delay="0">
+                  <p:tgtEl>
+                    <p:sldTgt/>
+                  </p:tgtEl>
+                </p:cond>
+              </p:nextCondLst>
+            </p:seq>
+          </p:childTnLst>
+        </p:cTn>
+      </p:par>
+    </p:tnLst>
+    <p:bldLst>
+      <p:bldP spid="6" grpId="0"/>
+      <p:bldP spid="7" grpId="0"/>
+    </p:bldLst>
+  </p:timing>
 </p:sld>
 </file>
 
@@ -4326,6 +4843,524 @@
   <p:clrMapOvr>
     <a:masterClrMapping/>
   </p:clrMapOvr>
+  <p:timing>
+    <p:tnLst>
+      <p:par>
+        <p:cTn id="1" dur="indefinite" restart="never" nodeType="tmRoot">
+          <p:childTnLst>
+            <p:seq concurrent="1" nextAc="seek">
+              <p:cTn id="2" dur="indefinite" nodeType="mainSeq">
+                <p:childTnLst>
+                  <p:par>
+                    <p:cTn id="3" fill="hold">
+                      <p:stCondLst>
+                        <p:cond delay="indefinite"/>
+                      </p:stCondLst>
+                      <p:childTnLst>
+                        <p:par>
+                          <p:cTn id="4" fill="hold">
+                            <p:stCondLst>
+                              <p:cond delay="0"/>
+                            </p:stCondLst>
+                            <p:childTnLst>
+                              <p:par>
+                                <p:cTn id="5" presetID="14" presetClass="entr" presetSubtype="10" fill="hold" grpId="0" nodeType="clickEffect">
+                                  <p:stCondLst>
+                                    <p:cond delay="0"/>
+                                  </p:stCondLst>
+                                  <p:childTnLst>
+                                    <p:set>
+                                      <p:cBhvr>
+                                        <p:cTn id="6" dur="1" fill="hold">
+                                          <p:stCondLst>
+                                            <p:cond delay="0"/>
+                                          </p:stCondLst>
+                                        </p:cTn>
+                                        <p:tgtEl>
+                                          <p:spTgt spid="4"/>
+                                        </p:tgtEl>
+                                        <p:attrNameLst>
+                                          <p:attrName>style.visibility</p:attrName>
+                                        </p:attrNameLst>
+                                      </p:cBhvr>
+                                      <p:to>
+                                        <p:strVal val="visible"/>
+                                      </p:to>
+                                    </p:set>
+                                    <p:animEffect transition="in" filter="randombar(horizontal)">
+                                      <p:cBhvr>
+                                        <p:cTn id="7" dur="500"/>
+                                        <p:tgtEl>
+                                          <p:spTgt spid="4"/>
+                                        </p:tgtEl>
+                                      </p:cBhvr>
+                                    </p:animEffect>
+                                  </p:childTnLst>
+                                </p:cTn>
+                              </p:par>
+                            </p:childTnLst>
+                          </p:cTn>
+                        </p:par>
+                        <p:par>
+                          <p:cTn id="8" fill="hold">
+                            <p:stCondLst>
+                              <p:cond delay="500"/>
+                            </p:stCondLst>
+                            <p:childTnLst>
+                              <p:par>
+                                <p:cTn id="9" presetID="53" presetClass="entr" presetSubtype="16" fill="hold" grpId="0" nodeType="afterEffect">
+                                  <p:stCondLst>
+                                    <p:cond delay="0"/>
+                                  </p:stCondLst>
+                                  <p:childTnLst>
+                                    <p:set>
+                                      <p:cBhvr>
+                                        <p:cTn id="10" dur="1" fill="hold">
+                                          <p:stCondLst>
+                                            <p:cond delay="0"/>
+                                          </p:stCondLst>
+                                        </p:cTn>
+                                        <p:tgtEl>
+                                          <p:spTgt spid="5"/>
+                                        </p:tgtEl>
+                                        <p:attrNameLst>
+                                          <p:attrName>style.visibility</p:attrName>
+                                        </p:attrNameLst>
+                                      </p:cBhvr>
+                                      <p:to>
+                                        <p:strVal val="visible"/>
+                                      </p:to>
+                                    </p:set>
+                                    <p:anim calcmode="lin" valueType="num">
+                                      <p:cBhvr>
+                                        <p:cTn id="11" dur="500" fill="hold"/>
+                                        <p:tgtEl>
+                                          <p:spTgt spid="5"/>
+                                        </p:tgtEl>
+                                        <p:attrNameLst>
+                                          <p:attrName>ppt_w</p:attrName>
+                                        </p:attrNameLst>
+                                      </p:cBhvr>
+                                      <p:tavLst>
+                                        <p:tav tm="0">
+                                          <p:val>
+                                            <p:fltVal val="0"/>
+                                          </p:val>
+                                        </p:tav>
+                                        <p:tav tm="100000">
+                                          <p:val>
+                                            <p:strVal val="#ppt_w"/>
+                                          </p:val>
+                                        </p:tav>
+                                      </p:tavLst>
+                                    </p:anim>
+                                    <p:anim calcmode="lin" valueType="num">
+                                      <p:cBhvr>
+                                        <p:cTn id="12" dur="500" fill="hold"/>
+                                        <p:tgtEl>
+                                          <p:spTgt spid="5"/>
+                                        </p:tgtEl>
+                                        <p:attrNameLst>
+                                          <p:attrName>ppt_h</p:attrName>
+                                        </p:attrNameLst>
+                                      </p:cBhvr>
+                                      <p:tavLst>
+                                        <p:tav tm="0">
+                                          <p:val>
+                                            <p:fltVal val="0"/>
+                                          </p:val>
+                                        </p:tav>
+                                        <p:tav tm="100000">
+                                          <p:val>
+                                            <p:strVal val="#ppt_h"/>
+                                          </p:val>
+                                        </p:tav>
+                                      </p:tavLst>
+                                    </p:anim>
+                                    <p:animEffect transition="in" filter="fade">
+                                      <p:cBhvr>
+                                        <p:cTn id="13" dur="500"/>
+                                        <p:tgtEl>
+                                          <p:spTgt spid="5"/>
+                                        </p:tgtEl>
+                                      </p:cBhvr>
+                                    </p:animEffect>
+                                  </p:childTnLst>
+                                </p:cTn>
+                              </p:par>
+                            </p:childTnLst>
+                          </p:cTn>
+                        </p:par>
+                        <p:par>
+                          <p:cTn id="14" fill="hold">
+                            <p:stCondLst>
+                              <p:cond delay="1000"/>
+                            </p:stCondLst>
+                            <p:childTnLst>
+                              <p:par>
+                                <p:cTn id="15" presetID="22" presetClass="entr" presetSubtype="4" fill="hold" nodeType="afterEffect">
+                                  <p:stCondLst>
+                                    <p:cond delay="0"/>
+                                  </p:stCondLst>
+                                  <p:childTnLst>
+                                    <p:set>
+                                      <p:cBhvr>
+                                        <p:cTn id="16" dur="1" fill="hold">
+                                          <p:stCondLst>
+                                            <p:cond delay="0"/>
+                                          </p:stCondLst>
+                                        </p:cTn>
+                                        <p:tgtEl>
+                                          <p:spTgt spid="3"/>
+                                        </p:tgtEl>
+                                        <p:attrNameLst>
+                                          <p:attrName>style.visibility</p:attrName>
+                                        </p:attrNameLst>
+                                      </p:cBhvr>
+                                      <p:to>
+                                        <p:strVal val="visible"/>
+                                      </p:to>
+                                    </p:set>
+                                    <p:animEffect transition="in" filter="wipe(down)">
+                                      <p:cBhvr>
+                                        <p:cTn id="17" dur="500"/>
+                                        <p:tgtEl>
+                                          <p:spTgt spid="3"/>
+                                        </p:tgtEl>
+                                      </p:cBhvr>
+                                    </p:animEffect>
+                                  </p:childTnLst>
+                                </p:cTn>
+                              </p:par>
+                            </p:childTnLst>
+                          </p:cTn>
+                        </p:par>
+                      </p:childTnLst>
+                    </p:cTn>
+                  </p:par>
+                  <p:par>
+                    <p:cTn id="18" fill="hold">
+                      <p:stCondLst>
+                        <p:cond delay="indefinite"/>
+                      </p:stCondLst>
+                      <p:childTnLst>
+                        <p:par>
+                          <p:cTn id="19" fill="hold">
+                            <p:stCondLst>
+                              <p:cond delay="0"/>
+                            </p:stCondLst>
+                            <p:childTnLst>
+                              <p:par>
+                                <p:cTn id="20" presetID="26" presetClass="entr" presetSubtype="0" fill="hold" grpId="0" nodeType="clickEffect">
+                                  <p:stCondLst>
+                                    <p:cond delay="0"/>
+                                  </p:stCondLst>
+                                  <p:childTnLst>
+                                    <p:set>
+                                      <p:cBhvr>
+                                        <p:cTn id="21" dur="1" fill="hold">
+                                          <p:stCondLst>
+                                            <p:cond delay="0"/>
+                                          </p:stCondLst>
+                                        </p:cTn>
+                                        <p:tgtEl>
+                                          <p:spTgt spid="7"/>
+                                        </p:tgtEl>
+                                        <p:attrNameLst>
+                                          <p:attrName>style.visibility</p:attrName>
+                                        </p:attrNameLst>
+                                      </p:cBhvr>
+                                      <p:to>
+                                        <p:strVal val="visible"/>
+                                      </p:to>
+                                    </p:set>
+                                    <p:animEffect transition="in" filter="wipe(down)">
+                                      <p:cBhvr>
+                                        <p:cTn id="22" dur="580">
+                                          <p:stCondLst>
+                                            <p:cond delay="0"/>
+                                          </p:stCondLst>
+                                        </p:cTn>
+                                        <p:tgtEl>
+                                          <p:spTgt spid="7"/>
+                                        </p:tgtEl>
+                                      </p:cBhvr>
+                                    </p:animEffect>
+                                    <p:anim calcmode="lin" valueType="num">
+                                      <p:cBhvr>
+                                        <p:cTn id="23" dur="1822" tmFilter="0,0; 0.14,0.36; 0.43,0.73; 0.71,0.91; 1.0,1.0">
+                                          <p:stCondLst>
+                                            <p:cond delay="0"/>
+                                          </p:stCondLst>
+                                        </p:cTn>
+                                        <p:tgtEl>
+                                          <p:spTgt spid="7"/>
+                                        </p:tgtEl>
+                                        <p:attrNameLst>
+                                          <p:attrName>ppt_x</p:attrName>
+                                        </p:attrNameLst>
+                                      </p:cBhvr>
+                                      <p:tavLst>
+                                        <p:tav tm="0">
+                                          <p:val>
+                                            <p:strVal val="#ppt_x-0.25"/>
+                                          </p:val>
+                                        </p:tav>
+                                        <p:tav tm="100000">
+                                          <p:val>
+                                            <p:strVal val="#ppt_x"/>
+                                          </p:val>
+                                        </p:tav>
+                                      </p:tavLst>
+                                    </p:anim>
+                                    <p:anim calcmode="lin" valueType="num">
+                                      <p:cBhvr>
+                                        <p:cTn id="24" dur="664" tmFilter="0.0,0.0; 0.25,0.07; 0.50,0.2; 0.75,0.467; 1.0,1.0">
+                                          <p:stCondLst>
+                                            <p:cond delay="0"/>
+                                          </p:stCondLst>
+                                        </p:cTn>
+                                        <p:tgtEl>
+                                          <p:spTgt spid="7"/>
+                                        </p:tgtEl>
+                                        <p:attrNameLst>
+                                          <p:attrName>ppt_y</p:attrName>
+                                        </p:attrNameLst>
+                                      </p:cBhvr>
+                                      <p:tavLst>
+                                        <p:tav tm="0" fmla="#ppt_y-sin(pi*$)/3">
+                                          <p:val>
+                                            <p:fltVal val="0.5"/>
+                                          </p:val>
+                                        </p:tav>
+                                        <p:tav tm="100000">
+                                          <p:val>
+                                            <p:fltVal val="1"/>
+                                          </p:val>
+                                        </p:tav>
+                                      </p:tavLst>
+                                    </p:anim>
+                                    <p:anim calcmode="lin" valueType="num">
+                                      <p:cBhvr>
+                                        <p:cTn id="25" dur="664" tmFilter="0, 0; 0.125,0.2665; 0.25,0.4; 0.375,0.465; 0.5,0.5;  0.625,0.535; 0.75,0.6; 0.875,0.7335; 1,1">
+                                          <p:stCondLst>
+                                            <p:cond delay="664"/>
+                                          </p:stCondLst>
+                                        </p:cTn>
+                                        <p:tgtEl>
+                                          <p:spTgt spid="7"/>
+                                        </p:tgtEl>
+                                        <p:attrNameLst>
+                                          <p:attrName>ppt_y</p:attrName>
+                                        </p:attrNameLst>
+                                      </p:cBhvr>
+                                      <p:tavLst>
+                                        <p:tav tm="0" fmla="#ppt_y-sin(pi*$)/9">
+                                          <p:val>
+                                            <p:fltVal val="0"/>
+                                          </p:val>
+                                        </p:tav>
+                                        <p:tav tm="100000">
+                                          <p:val>
+                                            <p:fltVal val="1"/>
+                                          </p:val>
+                                        </p:tav>
+                                      </p:tavLst>
+                                    </p:anim>
+                                    <p:anim calcmode="lin" valueType="num">
+                                      <p:cBhvr>
+                                        <p:cTn id="26" dur="332" tmFilter="0, 0; 0.125,0.2665; 0.25,0.4; 0.375,0.465; 0.5,0.5;  0.625,0.535; 0.75,0.6; 0.875,0.7335; 1,1">
+                                          <p:stCondLst>
+                                            <p:cond delay="1324"/>
+                                          </p:stCondLst>
+                                        </p:cTn>
+                                        <p:tgtEl>
+                                          <p:spTgt spid="7"/>
+                                        </p:tgtEl>
+                                        <p:attrNameLst>
+                                          <p:attrName>ppt_y</p:attrName>
+                                        </p:attrNameLst>
+                                      </p:cBhvr>
+                                      <p:tavLst>
+                                        <p:tav tm="0" fmla="#ppt_y-sin(pi*$)/27">
+                                          <p:val>
+                                            <p:fltVal val="0"/>
+                                          </p:val>
+                                        </p:tav>
+                                        <p:tav tm="100000">
+                                          <p:val>
+                                            <p:fltVal val="1"/>
+                                          </p:val>
+                                        </p:tav>
+                                      </p:tavLst>
+                                    </p:anim>
+                                    <p:anim calcmode="lin" valueType="num">
+                                      <p:cBhvr>
+                                        <p:cTn id="27" dur="164" tmFilter="0, 0; 0.125,0.2665; 0.25,0.4; 0.375,0.465; 0.5,0.5;  0.625,0.535; 0.75,0.6; 0.875,0.7335; 1,1">
+                                          <p:stCondLst>
+                                            <p:cond delay="1656"/>
+                                          </p:stCondLst>
+                                        </p:cTn>
+                                        <p:tgtEl>
+                                          <p:spTgt spid="7"/>
+                                        </p:tgtEl>
+                                        <p:attrNameLst>
+                                          <p:attrName>ppt_y</p:attrName>
+                                        </p:attrNameLst>
+                                      </p:cBhvr>
+                                      <p:tavLst>
+                                        <p:tav tm="0" fmla="#ppt_y-sin(pi*$)/81">
+                                          <p:val>
+                                            <p:fltVal val="0"/>
+                                          </p:val>
+                                        </p:tav>
+                                        <p:tav tm="100000">
+                                          <p:val>
+                                            <p:fltVal val="1"/>
+                                          </p:val>
+                                        </p:tav>
+                                      </p:tavLst>
+                                    </p:anim>
+                                    <p:animScale>
+                                      <p:cBhvr>
+                                        <p:cTn id="28" dur="26">
+                                          <p:stCondLst>
+                                            <p:cond delay="650"/>
+                                          </p:stCondLst>
+                                        </p:cTn>
+                                        <p:tgtEl>
+                                          <p:spTgt spid="7"/>
+                                        </p:tgtEl>
+                                      </p:cBhvr>
+                                      <p:to x="100000" y="60000"/>
+                                    </p:animScale>
+                                    <p:animScale>
+                                      <p:cBhvr>
+                                        <p:cTn id="29" dur="166" decel="50000">
+                                          <p:stCondLst>
+                                            <p:cond delay="676"/>
+                                          </p:stCondLst>
+                                        </p:cTn>
+                                        <p:tgtEl>
+                                          <p:spTgt spid="7"/>
+                                        </p:tgtEl>
+                                      </p:cBhvr>
+                                      <p:to x="100000" y="100000"/>
+                                    </p:animScale>
+                                    <p:animScale>
+                                      <p:cBhvr>
+                                        <p:cTn id="30" dur="26">
+                                          <p:stCondLst>
+                                            <p:cond delay="1312"/>
+                                          </p:stCondLst>
+                                        </p:cTn>
+                                        <p:tgtEl>
+                                          <p:spTgt spid="7"/>
+                                        </p:tgtEl>
+                                      </p:cBhvr>
+                                      <p:to x="100000" y="80000"/>
+                                    </p:animScale>
+                                    <p:animScale>
+                                      <p:cBhvr>
+                                        <p:cTn id="31" dur="166" decel="50000">
+                                          <p:stCondLst>
+                                            <p:cond delay="1338"/>
+                                          </p:stCondLst>
+                                        </p:cTn>
+                                        <p:tgtEl>
+                                          <p:spTgt spid="7"/>
+                                        </p:tgtEl>
+                                      </p:cBhvr>
+                                      <p:to x="100000" y="100000"/>
+                                    </p:animScale>
+                                    <p:animScale>
+                                      <p:cBhvr>
+                                        <p:cTn id="32" dur="26">
+                                          <p:stCondLst>
+                                            <p:cond delay="1642"/>
+                                          </p:stCondLst>
+                                        </p:cTn>
+                                        <p:tgtEl>
+                                          <p:spTgt spid="7"/>
+                                        </p:tgtEl>
+                                      </p:cBhvr>
+                                      <p:to x="100000" y="90000"/>
+                                    </p:animScale>
+                                    <p:animScale>
+                                      <p:cBhvr>
+                                        <p:cTn id="33" dur="166" decel="50000">
+                                          <p:stCondLst>
+                                            <p:cond delay="1668"/>
+                                          </p:stCondLst>
+                                        </p:cTn>
+                                        <p:tgtEl>
+                                          <p:spTgt spid="7"/>
+                                        </p:tgtEl>
+                                      </p:cBhvr>
+                                      <p:to x="100000" y="100000"/>
+                                    </p:animScale>
+                                    <p:animScale>
+                                      <p:cBhvr>
+                                        <p:cTn id="34" dur="26">
+                                          <p:stCondLst>
+                                            <p:cond delay="1808"/>
+                                          </p:stCondLst>
+                                        </p:cTn>
+                                        <p:tgtEl>
+                                          <p:spTgt spid="7"/>
+                                        </p:tgtEl>
+                                      </p:cBhvr>
+                                      <p:to x="100000" y="95000"/>
+                                    </p:animScale>
+                                    <p:animScale>
+                                      <p:cBhvr>
+                                        <p:cTn id="35" dur="166" decel="50000">
+                                          <p:stCondLst>
+                                            <p:cond delay="1834"/>
+                                          </p:stCondLst>
+                                        </p:cTn>
+                                        <p:tgtEl>
+                                          <p:spTgt spid="7"/>
+                                        </p:tgtEl>
+                                      </p:cBhvr>
+                                      <p:to x="100000" y="100000"/>
+                                    </p:animScale>
+                                  </p:childTnLst>
+                                </p:cTn>
+                              </p:par>
+                            </p:childTnLst>
+                          </p:cTn>
+                        </p:par>
+                      </p:childTnLst>
+                    </p:cTn>
+                  </p:par>
+                </p:childTnLst>
+              </p:cTn>
+              <p:prevCondLst>
+                <p:cond evt="onPrev" delay="0">
+                  <p:tgtEl>
+                    <p:sldTgt/>
+                  </p:tgtEl>
+                </p:cond>
+              </p:prevCondLst>
+              <p:nextCondLst>
+                <p:cond evt="onNext" delay="0">
+                  <p:tgtEl>
+                    <p:sldTgt/>
+                  </p:tgtEl>
+                </p:cond>
+              </p:nextCondLst>
+            </p:seq>
+          </p:childTnLst>
+        </p:cTn>
+      </p:par>
+    </p:tnLst>
+    <p:bldLst>
+      <p:bldP spid="4" grpId="0"/>
+      <p:bldP spid="5" grpId="0"/>
+      <p:bldP spid="7" grpId="0"/>
+    </p:bldLst>
+  </p:timing>
 </p:sld>
 </file>
 
@@ -4449,7 +5484,11 @@
             </a:r>
             <a:r>
               <a:rPr lang="ja-JP" altLang="en-US" sz="2800" dirty="0"/>
-              <a:t>のような冒険を進めていく</a:t>
+              <a:t>のような冒険を進めていく　引用：</a:t>
+            </a:r>
+            <a:r>
+              <a:rPr lang="en-US" altLang="ja-JP" sz="2800"/>
+              <a:t>wiki</a:t>
             </a:r>
             <a:endParaRPr kumimoji="1" lang="ja-JP" altLang="en-US" sz="2800" dirty="0"/>
           </a:p>
@@ -4504,6 +5543,318 @@
   <p:clrMapOvr>
     <a:masterClrMapping/>
   </p:clrMapOvr>
+  <p:timing>
+    <p:tnLst>
+      <p:par>
+        <p:cTn id="1" dur="indefinite" restart="never" nodeType="tmRoot">
+          <p:childTnLst>
+            <p:seq concurrent="1" nextAc="seek">
+              <p:cTn id="2" dur="indefinite" nodeType="mainSeq">
+                <p:childTnLst>
+                  <p:par>
+                    <p:cTn id="3" fill="hold">
+                      <p:stCondLst>
+                        <p:cond delay="indefinite"/>
+                      </p:stCondLst>
+                      <p:childTnLst>
+                        <p:par>
+                          <p:cTn id="4" fill="hold">
+                            <p:stCondLst>
+                              <p:cond delay="0"/>
+                            </p:stCondLst>
+                            <p:childTnLst>
+                              <p:par>
+                                <p:cTn id="5" presetID="53" presetClass="entr" presetSubtype="16" fill="hold" grpId="0" nodeType="clickEffect">
+                                  <p:stCondLst>
+                                    <p:cond delay="0"/>
+                                  </p:stCondLst>
+                                  <p:childTnLst>
+                                    <p:set>
+                                      <p:cBhvr>
+                                        <p:cTn id="6" dur="1" fill="hold">
+                                          <p:stCondLst>
+                                            <p:cond delay="0"/>
+                                          </p:stCondLst>
+                                        </p:cTn>
+                                        <p:tgtEl>
+                                          <p:spTgt spid="3"/>
+                                        </p:tgtEl>
+                                        <p:attrNameLst>
+                                          <p:attrName>style.visibility</p:attrName>
+                                        </p:attrNameLst>
+                                      </p:cBhvr>
+                                      <p:to>
+                                        <p:strVal val="visible"/>
+                                      </p:to>
+                                    </p:set>
+                                    <p:anim calcmode="lin" valueType="num">
+                                      <p:cBhvr>
+                                        <p:cTn id="7" dur="500" fill="hold"/>
+                                        <p:tgtEl>
+                                          <p:spTgt spid="3"/>
+                                        </p:tgtEl>
+                                        <p:attrNameLst>
+                                          <p:attrName>ppt_w</p:attrName>
+                                        </p:attrNameLst>
+                                      </p:cBhvr>
+                                      <p:tavLst>
+                                        <p:tav tm="0">
+                                          <p:val>
+                                            <p:fltVal val="0"/>
+                                          </p:val>
+                                        </p:tav>
+                                        <p:tav tm="100000">
+                                          <p:val>
+                                            <p:strVal val="#ppt_w"/>
+                                          </p:val>
+                                        </p:tav>
+                                      </p:tavLst>
+                                    </p:anim>
+                                    <p:anim calcmode="lin" valueType="num">
+                                      <p:cBhvr>
+                                        <p:cTn id="8" dur="500" fill="hold"/>
+                                        <p:tgtEl>
+                                          <p:spTgt spid="3"/>
+                                        </p:tgtEl>
+                                        <p:attrNameLst>
+                                          <p:attrName>ppt_h</p:attrName>
+                                        </p:attrNameLst>
+                                      </p:cBhvr>
+                                      <p:tavLst>
+                                        <p:tav tm="0">
+                                          <p:val>
+                                            <p:fltVal val="0"/>
+                                          </p:val>
+                                        </p:tav>
+                                        <p:tav tm="100000">
+                                          <p:val>
+                                            <p:strVal val="#ppt_h"/>
+                                          </p:val>
+                                        </p:tav>
+                                      </p:tavLst>
+                                    </p:anim>
+                                    <p:animEffect transition="in" filter="fade">
+                                      <p:cBhvr>
+                                        <p:cTn id="9" dur="500"/>
+                                        <p:tgtEl>
+                                          <p:spTgt spid="3"/>
+                                        </p:tgtEl>
+                                      </p:cBhvr>
+                                    </p:animEffect>
+                                  </p:childTnLst>
+                                </p:cTn>
+                              </p:par>
+                            </p:childTnLst>
+                          </p:cTn>
+                        </p:par>
+                        <p:par>
+                          <p:cTn id="10" fill="hold">
+                            <p:stCondLst>
+                              <p:cond delay="500"/>
+                            </p:stCondLst>
+                            <p:childTnLst>
+                              <p:par>
+                                <p:cTn id="11" presetID="14" presetClass="entr" presetSubtype="10" fill="hold" grpId="0" nodeType="afterEffect">
+                                  <p:stCondLst>
+                                    <p:cond delay="0"/>
+                                  </p:stCondLst>
+                                  <p:childTnLst>
+                                    <p:set>
+                                      <p:cBhvr>
+                                        <p:cTn id="12" dur="1" fill="hold">
+                                          <p:stCondLst>
+                                            <p:cond delay="0"/>
+                                          </p:stCondLst>
+                                        </p:cTn>
+                                        <p:tgtEl>
+                                          <p:spTgt spid="4"/>
+                                        </p:tgtEl>
+                                        <p:attrNameLst>
+                                          <p:attrName>style.visibility</p:attrName>
+                                        </p:attrNameLst>
+                                      </p:cBhvr>
+                                      <p:to>
+                                        <p:strVal val="visible"/>
+                                      </p:to>
+                                    </p:set>
+                                    <p:animEffect transition="in" filter="randombar(horizontal)">
+                                      <p:cBhvr>
+                                        <p:cTn id="13" dur="500"/>
+                                        <p:tgtEl>
+                                          <p:spTgt spid="4"/>
+                                        </p:tgtEl>
+                                      </p:cBhvr>
+                                    </p:animEffect>
+                                  </p:childTnLst>
+                                </p:cTn>
+                              </p:par>
+                              <p:par>
+                                <p:cTn id="14" presetID="45" presetClass="entr" presetSubtype="0" fill="hold" nodeType="withEffect">
+                                  <p:stCondLst>
+                                    <p:cond delay="0"/>
+                                  </p:stCondLst>
+                                  <p:childTnLst>
+                                    <p:set>
+                                      <p:cBhvr>
+                                        <p:cTn id="15" dur="1" fill="hold">
+                                          <p:stCondLst>
+                                            <p:cond delay="0"/>
+                                          </p:stCondLst>
+                                        </p:cTn>
+                                        <p:tgtEl>
+                                          <p:spTgt spid="2"/>
+                                        </p:tgtEl>
+                                        <p:attrNameLst>
+                                          <p:attrName>style.visibility</p:attrName>
+                                        </p:attrNameLst>
+                                      </p:cBhvr>
+                                      <p:to>
+                                        <p:strVal val="visible"/>
+                                      </p:to>
+                                    </p:set>
+                                    <p:animEffect transition="in" filter="fade">
+                                      <p:cBhvr>
+                                        <p:cTn id="16" dur="2000"/>
+                                        <p:tgtEl>
+                                          <p:spTgt spid="2"/>
+                                        </p:tgtEl>
+                                      </p:cBhvr>
+                                    </p:animEffect>
+                                    <p:anim calcmode="lin" valueType="num">
+                                      <p:cBhvr>
+                                        <p:cTn id="17" dur="2000" fill="hold"/>
+                                        <p:tgtEl>
+                                          <p:spTgt spid="2"/>
+                                        </p:tgtEl>
+                                        <p:attrNameLst>
+                                          <p:attrName>ppt_w</p:attrName>
+                                        </p:attrNameLst>
+                                      </p:cBhvr>
+                                      <p:tavLst>
+                                        <p:tav tm="0" fmla="#ppt_w*sin(2.5*pi*$)">
+                                          <p:val>
+                                            <p:fltVal val="0"/>
+                                          </p:val>
+                                        </p:tav>
+                                        <p:tav tm="100000">
+                                          <p:val>
+                                            <p:fltVal val="1"/>
+                                          </p:val>
+                                        </p:tav>
+                                      </p:tavLst>
+                                    </p:anim>
+                                    <p:anim calcmode="lin" valueType="num">
+                                      <p:cBhvr>
+                                        <p:cTn id="18" dur="2000" fill="hold"/>
+                                        <p:tgtEl>
+                                          <p:spTgt spid="2"/>
+                                        </p:tgtEl>
+                                        <p:attrNameLst>
+                                          <p:attrName>ppt_h</p:attrName>
+                                        </p:attrNameLst>
+                                      </p:cBhvr>
+                                      <p:tavLst>
+                                        <p:tav tm="0">
+                                          <p:val>
+                                            <p:strVal val="#ppt_h"/>
+                                          </p:val>
+                                        </p:tav>
+                                        <p:tav tm="100000">
+                                          <p:val>
+                                            <p:strVal val="#ppt_h"/>
+                                          </p:val>
+                                        </p:tav>
+                                      </p:tavLst>
+                                    </p:anim>
+                                  </p:childTnLst>
+                                </p:cTn>
+                              </p:par>
+                            </p:childTnLst>
+                          </p:cTn>
+                        </p:par>
+                      </p:childTnLst>
+                    </p:cTn>
+                  </p:par>
+                  <p:par>
+                    <p:cTn id="19" fill="hold">
+                      <p:stCondLst>
+                        <p:cond delay="indefinite"/>
+                      </p:stCondLst>
+                      <p:childTnLst>
+                        <p:par>
+                          <p:cTn id="20" fill="hold">
+                            <p:stCondLst>
+                              <p:cond delay="0"/>
+                            </p:stCondLst>
+                            <p:childTnLst>
+                              <p:par>
+                                <p:cTn id="21" presetID="22" presetClass="entr" presetSubtype="4" fill="hold" grpId="0" nodeType="clickEffect">
+                                  <p:stCondLst>
+                                    <p:cond delay="0"/>
+                                  </p:stCondLst>
+                                  <p:childTnLst>
+                                    <p:set>
+                                      <p:cBhvr>
+                                        <p:cTn id="22" dur="1" fill="hold">
+                                          <p:stCondLst>
+                                            <p:cond delay="0"/>
+                                          </p:stCondLst>
+                                        </p:cTn>
+                                        <p:tgtEl>
+                                          <p:spTgt spid="5"/>
+                                        </p:tgtEl>
+                                        <p:attrNameLst>
+                                          <p:attrName>style.visibility</p:attrName>
+                                        </p:attrNameLst>
+                                      </p:cBhvr>
+                                      <p:to>
+                                        <p:strVal val="visible"/>
+                                      </p:to>
+                                    </p:set>
+                                    <p:animEffect transition="in" filter="wipe(down)">
+                                      <p:cBhvr>
+                                        <p:cTn id="23" dur="500"/>
+                                        <p:tgtEl>
+                                          <p:spTgt spid="5"/>
+                                        </p:tgtEl>
+                                      </p:cBhvr>
+                                    </p:animEffect>
+                                  </p:childTnLst>
+                                </p:cTn>
+                              </p:par>
+                            </p:childTnLst>
+                          </p:cTn>
+                        </p:par>
+                      </p:childTnLst>
+                    </p:cTn>
+                  </p:par>
+                </p:childTnLst>
+              </p:cTn>
+              <p:prevCondLst>
+                <p:cond evt="onPrev" delay="0">
+                  <p:tgtEl>
+                    <p:sldTgt/>
+                  </p:tgtEl>
+                </p:cond>
+              </p:prevCondLst>
+              <p:nextCondLst>
+                <p:cond evt="onNext" delay="0">
+                  <p:tgtEl>
+                    <p:sldTgt/>
+                  </p:tgtEl>
+                </p:cond>
+              </p:nextCondLst>
+            </p:seq>
+          </p:childTnLst>
+        </p:cTn>
+      </p:par>
+    </p:tnLst>
+    <p:bldLst>
+      <p:bldP spid="3" grpId="0"/>
+      <p:bldP spid="4" grpId="0"/>
+      <p:bldP spid="5" grpId="0"/>
+    </p:bldLst>
+  </p:timing>
 </p:sld>
 </file>
 

--- a/kikaku_2_夏休みのイベント/夏休みの体験.pptx
+++ b/kikaku_2_夏休みのイベント/夏休みの体験.pptx
@@ -263,7 +263,7 @@
           <a:p>
             <a:fld id="{08EC3D94-4284-484C-8589-497465222CA3}" type="datetimeFigureOut">
               <a:rPr kumimoji="1" lang="ja-JP" altLang="en-US" smtClean="0"/>
-              <a:t>2023/9/5</a:t>
+              <a:t>2023/9/6</a:t>
             </a:fld>
             <a:endParaRPr kumimoji="1" lang="ja-JP" altLang="en-US"/>
           </a:p>
@@ -493,7 +493,7 @@
           <a:p>
             <a:fld id="{08EC3D94-4284-484C-8589-497465222CA3}" type="datetimeFigureOut">
               <a:rPr kumimoji="1" lang="ja-JP" altLang="en-US" smtClean="0"/>
-              <a:t>2023/9/5</a:t>
+              <a:t>2023/9/6</a:t>
             </a:fld>
             <a:endParaRPr kumimoji="1" lang="ja-JP" altLang="en-US"/>
           </a:p>
@@ -733,7 +733,7 @@
           <a:p>
             <a:fld id="{08EC3D94-4284-484C-8589-497465222CA3}" type="datetimeFigureOut">
               <a:rPr kumimoji="1" lang="ja-JP" altLang="en-US" smtClean="0"/>
-              <a:t>2023/9/5</a:t>
+              <a:t>2023/9/6</a:t>
             </a:fld>
             <a:endParaRPr kumimoji="1" lang="ja-JP" altLang="en-US"/>
           </a:p>
@@ -963,7 +963,7 @@
           <a:p>
             <a:fld id="{08EC3D94-4284-484C-8589-497465222CA3}" type="datetimeFigureOut">
               <a:rPr kumimoji="1" lang="ja-JP" altLang="en-US" smtClean="0"/>
-              <a:t>2023/9/5</a:t>
+              <a:t>2023/9/6</a:t>
             </a:fld>
             <a:endParaRPr kumimoji="1" lang="ja-JP" altLang="en-US"/>
           </a:p>
@@ -1238,7 +1238,7 @@
           <a:p>
             <a:fld id="{08EC3D94-4284-484C-8589-497465222CA3}" type="datetimeFigureOut">
               <a:rPr kumimoji="1" lang="ja-JP" altLang="en-US" smtClean="0"/>
-              <a:t>2023/9/5</a:t>
+              <a:t>2023/9/6</a:t>
             </a:fld>
             <a:endParaRPr kumimoji="1" lang="ja-JP" altLang="en-US"/>
           </a:p>
@@ -1567,7 +1567,7 @@
           <a:p>
             <a:fld id="{08EC3D94-4284-484C-8589-497465222CA3}" type="datetimeFigureOut">
               <a:rPr kumimoji="1" lang="ja-JP" altLang="en-US" smtClean="0"/>
-              <a:t>2023/9/5</a:t>
+              <a:t>2023/9/6</a:t>
             </a:fld>
             <a:endParaRPr kumimoji="1" lang="ja-JP" altLang="en-US"/>
           </a:p>
@@ -2043,7 +2043,7 @@
           <a:p>
             <a:fld id="{08EC3D94-4284-484C-8589-497465222CA3}" type="datetimeFigureOut">
               <a:rPr kumimoji="1" lang="ja-JP" altLang="en-US" smtClean="0"/>
-              <a:t>2023/9/5</a:t>
+              <a:t>2023/9/6</a:t>
             </a:fld>
             <a:endParaRPr kumimoji="1" lang="ja-JP" altLang="en-US"/>
           </a:p>
@@ -2184,7 +2184,7 @@
           <a:p>
             <a:fld id="{08EC3D94-4284-484C-8589-497465222CA3}" type="datetimeFigureOut">
               <a:rPr kumimoji="1" lang="ja-JP" altLang="en-US" smtClean="0"/>
-              <a:t>2023/9/5</a:t>
+              <a:t>2023/9/6</a:t>
             </a:fld>
             <a:endParaRPr kumimoji="1" lang="ja-JP" altLang="en-US"/>
           </a:p>
@@ -2297,7 +2297,7 @@
           <a:p>
             <a:fld id="{08EC3D94-4284-484C-8589-497465222CA3}" type="datetimeFigureOut">
               <a:rPr kumimoji="1" lang="ja-JP" altLang="en-US" smtClean="0"/>
-              <a:t>2023/9/5</a:t>
+              <a:t>2023/9/6</a:t>
             </a:fld>
             <a:endParaRPr kumimoji="1" lang="ja-JP" altLang="en-US"/>
           </a:p>
@@ -2640,7 +2640,7 @@
           <a:p>
             <a:fld id="{08EC3D94-4284-484C-8589-497465222CA3}" type="datetimeFigureOut">
               <a:rPr kumimoji="1" lang="ja-JP" altLang="en-US" smtClean="0"/>
-              <a:t>2023/9/5</a:t>
+              <a:t>2023/9/6</a:t>
             </a:fld>
             <a:endParaRPr kumimoji="1" lang="ja-JP" altLang="en-US"/>
           </a:p>
@@ -2928,7 +2928,7 @@
           <a:p>
             <a:fld id="{08EC3D94-4284-484C-8589-497465222CA3}" type="datetimeFigureOut">
               <a:rPr kumimoji="1" lang="ja-JP" altLang="en-US" smtClean="0"/>
-              <a:t>2023/9/5</a:t>
+              <a:t>2023/9/6</a:t>
             </a:fld>
             <a:endParaRPr kumimoji="1" lang="ja-JP" altLang="en-US"/>
           </a:p>
@@ -3201,7 +3201,7 @@
           <a:p>
             <a:fld id="{08EC3D94-4284-484C-8589-497465222CA3}" type="datetimeFigureOut">
               <a:rPr kumimoji="1" lang="ja-JP" altLang="en-US" smtClean="0"/>
-              <a:t>2023/9/5</a:t>
+              <a:t>2023/9/6</a:t>
             </a:fld>
             <a:endParaRPr kumimoji="1" lang="ja-JP" altLang="en-US"/>
           </a:p>
@@ -4767,13 +4767,7 @@
           <a:p>
             <a:r>
               <a:rPr lang="ja-JP" altLang="en-US" sz="2000" dirty="0"/>
-              <a:t>牧場内では、乳搾り、バター作りなどの体験教室が開催されている。また、乗馬やパターゴルフ、牛や羊、ヤギなどの動物と直接触れ合うことができる。</a:t>
-            </a:r>
-          </a:p>
-          <a:p>
-            <a:r>
-              <a:rPr lang="ja-JP" altLang="en-US" sz="2000" dirty="0"/>
-              <a:t>敷地内には、牧場で取れた牛乳を使ったメニューが揃う喫茶店や</a:t>
+              <a:t>牧場内では、乳搾り、バター作りなどの体験教室が開催されている。また、乗馬やパターゴルフ、牛や羊、ヤギなどの動物と直接触れ合うことができる。敷地内には牧場で取れた牛乳を使ったメニューが揃う喫茶店や</a:t>
             </a:r>
             <a:r>
               <a:rPr lang="en-US" altLang="ja-JP" sz="2000" dirty="0"/>
@@ -4781,15 +4775,24 @@
             </a:r>
             <a:r>
               <a:rPr lang="ja-JP" altLang="en-US" sz="2000" dirty="0"/>
-              <a:t>卓あるバーベキュー場など施設もある。</a:t>
-            </a:r>
-          </a:p>
-          <a:p>
+              <a:t>卓あるバーキュー場など施設もある。ひまわりやコスモスなど季節の花を使った巨大迷路が登場することもある。</a:t>
+            </a:r>
+            <a:endParaRPr lang="en-US" altLang="ja-JP" sz="2000" dirty="0"/>
+          </a:p>
+          <a:p>
+            <a:r>
+              <a:rPr lang="en-US" altLang="ja-JP" sz="2000" dirty="0"/>
+              <a:t>By</a:t>
+            </a:r>
+            <a:r>
+              <a:rPr lang="ja-JP" altLang="en-US" sz="2000"/>
+              <a:t>　公式</a:t>
+            </a:r>
             <a:r>
               <a:rPr lang="ja-JP" altLang="en-US" sz="2000" dirty="0"/>
-              <a:t>ひまわりやコスモスなど季節の花を使った巨大迷路が登場することもある。</a:t>
-            </a:r>
-            <a:endParaRPr kumimoji="1" lang="ja-JP" altLang="en-US" sz="2000" dirty="0"/>
+              <a:t>引用</a:t>
+            </a:r>
+            <a:endParaRPr lang="en-US" altLang="ja-JP" sz="2000" dirty="0"/>
           </a:p>
         </p:txBody>
       </p:sp>

--- a/kikaku_2_夏休みのイベント/夏休みの体験.pptx
+++ b/kikaku_2_夏休みのイベント/夏休みの体験.pptx
@@ -4,6 +4,9 @@
   <p:sldMasterIdLst>
     <p:sldMasterId id="2147483648" r:id="rId1"/>
   </p:sldMasterIdLst>
+  <p:notesMasterIdLst>
+    <p:notesMasterId r:id="rId7"/>
+  </p:notesMasterIdLst>
   <p:sldIdLst>
     <p:sldId id="257" r:id="rId2"/>
     <p:sldId id="256" r:id="rId3"/>
@@ -114,6 +117,471 @@
     </p:ext>
   </p:extLst>
 </p:presentation>
+</file>
+
+<file path=ppt/notesMasters/notesMaster1.xml><?xml version="1.0" encoding="utf-8"?>
+<p:notesMaster xmlns:a="http://schemas.openxmlformats.org/drawingml/2006/main" xmlns:r="http://schemas.openxmlformats.org/officeDocument/2006/relationships" xmlns:p="http://schemas.openxmlformats.org/presentationml/2006/main">
+  <p:cSld>
+    <p:bg>
+      <p:bgRef idx="1001">
+        <a:schemeClr val="bg1"/>
+      </p:bgRef>
+    </p:bg>
+    <p:spTree>
+      <p:nvGrpSpPr>
+        <p:cNvPr id="1" name=""/>
+        <p:cNvGrpSpPr/>
+        <p:nvPr/>
+      </p:nvGrpSpPr>
+      <p:grpSpPr>
+        <a:xfrm>
+          <a:off x="0" y="0"/>
+          <a:ext cx="0" cy="0"/>
+          <a:chOff x="0" y="0"/>
+          <a:chExt cx="0" cy="0"/>
+        </a:xfrm>
+      </p:grpSpPr>
+      <p:sp>
+        <p:nvSpPr>
+          <p:cNvPr id="2" name="ヘッダー プレースホルダー 1"/>
+          <p:cNvSpPr>
+            <a:spLocks noGrp="1"/>
+          </p:cNvSpPr>
+          <p:nvPr>
+            <p:ph type="hdr" sz="quarter"/>
+          </p:nvPr>
+        </p:nvSpPr>
+        <p:spPr>
+          <a:xfrm>
+            <a:off x="0" y="0"/>
+            <a:ext cx="2971800" cy="458788"/>
+          </a:xfrm>
+          <a:prstGeom prst="rect">
+            <a:avLst/>
+          </a:prstGeom>
+        </p:spPr>
+        <p:txBody>
+          <a:bodyPr vert="horz" lIns="91440" tIns="45720" rIns="91440" bIns="45720" rtlCol="0"/>
+          <a:lstStyle>
+            <a:lvl1pPr algn="l">
+              <a:defRPr sz="1200"/>
+            </a:lvl1pPr>
+          </a:lstStyle>
+          <a:p>
+            <a:endParaRPr kumimoji="1" lang="ja-JP" altLang="en-US"/>
+          </a:p>
+        </p:txBody>
+      </p:sp>
+      <p:sp>
+        <p:nvSpPr>
+          <p:cNvPr id="3" name="日付プレースホルダー 2"/>
+          <p:cNvSpPr>
+            <a:spLocks noGrp="1"/>
+          </p:cNvSpPr>
+          <p:nvPr>
+            <p:ph type="dt" idx="1"/>
+          </p:nvPr>
+        </p:nvSpPr>
+        <p:spPr>
+          <a:xfrm>
+            <a:off x="3884613" y="0"/>
+            <a:ext cx="2971800" cy="458788"/>
+          </a:xfrm>
+          <a:prstGeom prst="rect">
+            <a:avLst/>
+          </a:prstGeom>
+        </p:spPr>
+        <p:txBody>
+          <a:bodyPr vert="horz" lIns="91440" tIns="45720" rIns="91440" bIns="45720" rtlCol="0"/>
+          <a:lstStyle>
+            <a:lvl1pPr algn="r">
+              <a:defRPr sz="1200"/>
+            </a:lvl1pPr>
+          </a:lstStyle>
+          <a:p>
+            <a:fld id="{9D588B0D-C691-4C4D-AA9E-7420402BC1B6}" type="datetimeFigureOut">
+              <a:rPr kumimoji="1" lang="ja-JP" altLang="en-US" smtClean="0"/>
+              <a:t>2023/9/6</a:t>
+            </a:fld>
+            <a:endParaRPr kumimoji="1" lang="ja-JP" altLang="en-US"/>
+          </a:p>
+        </p:txBody>
+      </p:sp>
+      <p:sp>
+        <p:nvSpPr>
+          <p:cNvPr id="4" name="スライド イメージ プレースホルダー 3"/>
+          <p:cNvSpPr>
+            <a:spLocks noGrp="1" noRot="1" noChangeAspect="1"/>
+          </p:cNvSpPr>
+          <p:nvPr>
+            <p:ph type="sldImg" idx="2"/>
+          </p:nvPr>
+        </p:nvSpPr>
+        <p:spPr>
+          <a:xfrm>
+            <a:off x="685800" y="1143000"/>
+            <a:ext cx="5486400" cy="3086100"/>
+          </a:xfrm>
+          <a:prstGeom prst="rect">
+            <a:avLst/>
+          </a:prstGeom>
+          <a:noFill/>
+          <a:ln w="12700">
+            <a:solidFill>
+              <a:prstClr val="black"/>
+            </a:solidFill>
+          </a:ln>
+        </p:spPr>
+        <p:txBody>
+          <a:bodyPr vert="horz" lIns="91440" tIns="45720" rIns="91440" bIns="45720" rtlCol="0" anchor="ctr"/>
+          <a:lstStyle/>
+          <a:p>
+            <a:endParaRPr lang="ja-JP" altLang="en-US"/>
+          </a:p>
+        </p:txBody>
+      </p:sp>
+      <p:sp>
+        <p:nvSpPr>
+          <p:cNvPr id="5" name="ノート プレースホルダー 4"/>
+          <p:cNvSpPr>
+            <a:spLocks noGrp="1"/>
+          </p:cNvSpPr>
+          <p:nvPr>
+            <p:ph type="body" sz="quarter" idx="3"/>
+          </p:nvPr>
+        </p:nvSpPr>
+        <p:spPr>
+          <a:xfrm>
+            <a:off x="685800" y="4400550"/>
+            <a:ext cx="5486400" cy="3600450"/>
+          </a:xfrm>
+          <a:prstGeom prst="rect">
+            <a:avLst/>
+          </a:prstGeom>
+        </p:spPr>
+        <p:txBody>
+          <a:bodyPr vert="horz" lIns="91440" tIns="45720" rIns="91440" bIns="45720" rtlCol="0"/>
+          <a:lstStyle/>
+          <a:p>
+            <a:pPr lvl="0"/>
+            <a:r>
+              <a:rPr kumimoji="1" lang="ja-JP" altLang="en-US"/>
+              <a:t>マスター テキストの書式設定</a:t>
+            </a:r>
+          </a:p>
+          <a:p>
+            <a:pPr lvl="1"/>
+            <a:r>
+              <a:rPr kumimoji="1" lang="ja-JP" altLang="en-US"/>
+              <a:t>第 </a:t>
+            </a:r>
+            <a:r>
+              <a:rPr kumimoji="1" lang="en-US" altLang="ja-JP"/>
+              <a:t>2 </a:t>
+            </a:r>
+            <a:r>
+              <a:rPr kumimoji="1" lang="ja-JP" altLang="en-US"/>
+              <a:t>レベル</a:t>
+            </a:r>
+          </a:p>
+          <a:p>
+            <a:pPr lvl="2"/>
+            <a:r>
+              <a:rPr kumimoji="1" lang="ja-JP" altLang="en-US"/>
+              <a:t>第 </a:t>
+            </a:r>
+            <a:r>
+              <a:rPr kumimoji="1" lang="en-US" altLang="ja-JP"/>
+              <a:t>3 </a:t>
+            </a:r>
+            <a:r>
+              <a:rPr kumimoji="1" lang="ja-JP" altLang="en-US"/>
+              <a:t>レベル</a:t>
+            </a:r>
+          </a:p>
+          <a:p>
+            <a:pPr lvl="3"/>
+            <a:r>
+              <a:rPr kumimoji="1" lang="ja-JP" altLang="en-US"/>
+              <a:t>第 </a:t>
+            </a:r>
+            <a:r>
+              <a:rPr kumimoji="1" lang="en-US" altLang="ja-JP"/>
+              <a:t>4 </a:t>
+            </a:r>
+            <a:r>
+              <a:rPr kumimoji="1" lang="ja-JP" altLang="en-US"/>
+              <a:t>レベル</a:t>
+            </a:r>
+          </a:p>
+          <a:p>
+            <a:pPr lvl="4"/>
+            <a:r>
+              <a:rPr kumimoji="1" lang="ja-JP" altLang="en-US"/>
+              <a:t>第 </a:t>
+            </a:r>
+            <a:r>
+              <a:rPr kumimoji="1" lang="en-US" altLang="ja-JP"/>
+              <a:t>5 </a:t>
+            </a:r>
+            <a:r>
+              <a:rPr kumimoji="1" lang="ja-JP" altLang="en-US"/>
+              <a:t>レベル</a:t>
+            </a:r>
+          </a:p>
+        </p:txBody>
+      </p:sp>
+      <p:sp>
+        <p:nvSpPr>
+          <p:cNvPr id="6" name="フッター プレースホルダー 5"/>
+          <p:cNvSpPr>
+            <a:spLocks noGrp="1"/>
+          </p:cNvSpPr>
+          <p:nvPr>
+            <p:ph type="ftr" sz="quarter" idx="4"/>
+          </p:nvPr>
+        </p:nvSpPr>
+        <p:spPr>
+          <a:xfrm>
+            <a:off x="0" y="8685213"/>
+            <a:ext cx="2971800" cy="458787"/>
+          </a:xfrm>
+          <a:prstGeom prst="rect">
+            <a:avLst/>
+          </a:prstGeom>
+        </p:spPr>
+        <p:txBody>
+          <a:bodyPr vert="horz" lIns="91440" tIns="45720" rIns="91440" bIns="45720" rtlCol="0" anchor="b"/>
+          <a:lstStyle>
+            <a:lvl1pPr algn="l">
+              <a:defRPr sz="1200"/>
+            </a:lvl1pPr>
+          </a:lstStyle>
+          <a:p>
+            <a:endParaRPr kumimoji="1" lang="ja-JP" altLang="en-US"/>
+          </a:p>
+        </p:txBody>
+      </p:sp>
+      <p:sp>
+        <p:nvSpPr>
+          <p:cNvPr id="7" name="スライド番号プレースホルダー 6"/>
+          <p:cNvSpPr>
+            <a:spLocks noGrp="1"/>
+          </p:cNvSpPr>
+          <p:nvPr>
+            <p:ph type="sldNum" sz="quarter" idx="5"/>
+          </p:nvPr>
+        </p:nvSpPr>
+        <p:spPr>
+          <a:xfrm>
+            <a:off x="3884613" y="8685213"/>
+            <a:ext cx="2971800" cy="458787"/>
+          </a:xfrm>
+          <a:prstGeom prst="rect">
+            <a:avLst/>
+          </a:prstGeom>
+        </p:spPr>
+        <p:txBody>
+          <a:bodyPr vert="horz" lIns="91440" tIns="45720" rIns="91440" bIns="45720" rtlCol="0" anchor="b"/>
+          <a:lstStyle>
+            <a:lvl1pPr algn="r">
+              <a:defRPr sz="1200"/>
+            </a:lvl1pPr>
+          </a:lstStyle>
+          <a:p>
+            <a:fld id="{8E6BD74E-BCEC-4DEE-AC67-C7F1075E7686}" type="slidenum">
+              <a:rPr kumimoji="1" lang="ja-JP" altLang="en-US" smtClean="0"/>
+              <a:t>‹#›</a:t>
+            </a:fld>
+            <a:endParaRPr kumimoji="1" lang="ja-JP" altLang="en-US"/>
+          </a:p>
+        </p:txBody>
+      </p:sp>
+    </p:spTree>
+    <p:extLst>
+      <p:ext uri="{BB962C8B-B14F-4D97-AF65-F5344CB8AC3E}">
+        <p14:creationId xmlns:p14="http://schemas.microsoft.com/office/powerpoint/2010/main" val="40556578"/>
+      </p:ext>
+    </p:extLst>
+  </p:cSld>
+  <p:clrMap bg1="lt1" tx1="dk1" bg2="lt2" tx2="dk2" accent1="accent1" accent2="accent2" accent3="accent3" accent4="accent4" accent5="accent5" accent6="accent6" hlink="hlink" folHlink="folHlink"/>
+  <p:notesStyle>
+    <a:lvl1pPr marL="0" algn="l" defTabSz="914400" rtl="0" eaLnBrk="1" latinLnBrk="0" hangingPunct="1">
+      <a:defRPr kumimoji="1" sz="1200" kern="1200">
+        <a:solidFill>
+          <a:schemeClr val="tx1"/>
+        </a:solidFill>
+        <a:latin typeface="+mn-lt"/>
+        <a:ea typeface="+mn-ea"/>
+        <a:cs typeface="+mn-cs"/>
+      </a:defRPr>
+    </a:lvl1pPr>
+    <a:lvl2pPr marL="457200" algn="l" defTabSz="914400" rtl="0" eaLnBrk="1" latinLnBrk="0" hangingPunct="1">
+      <a:defRPr kumimoji="1" sz="1200" kern="1200">
+        <a:solidFill>
+          <a:schemeClr val="tx1"/>
+        </a:solidFill>
+        <a:latin typeface="+mn-lt"/>
+        <a:ea typeface="+mn-ea"/>
+        <a:cs typeface="+mn-cs"/>
+      </a:defRPr>
+    </a:lvl2pPr>
+    <a:lvl3pPr marL="914400" algn="l" defTabSz="914400" rtl="0" eaLnBrk="1" latinLnBrk="0" hangingPunct="1">
+      <a:defRPr kumimoji="1" sz="1200" kern="1200">
+        <a:solidFill>
+          <a:schemeClr val="tx1"/>
+        </a:solidFill>
+        <a:latin typeface="+mn-lt"/>
+        <a:ea typeface="+mn-ea"/>
+        <a:cs typeface="+mn-cs"/>
+      </a:defRPr>
+    </a:lvl3pPr>
+    <a:lvl4pPr marL="1371600" algn="l" defTabSz="914400" rtl="0" eaLnBrk="1" latinLnBrk="0" hangingPunct="1">
+      <a:defRPr kumimoji="1" sz="1200" kern="1200">
+        <a:solidFill>
+          <a:schemeClr val="tx1"/>
+        </a:solidFill>
+        <a:latin typeface="+mn-lt"/>
+        <a:ea typeface="+mn-ea"/>
+        <a:cs typeface="+mn-cs"/>
+      </a:defRPr>
+    </a:lvl4pPr>
+    <a:lvl5pPr marL="1828800" algn="l" defTabSz="914400" rtl="0" eaLnBrk="1" latinLnBrk="0" hangingPunct="1">
+      <a:defRPr kumimoji="1" sz="1200" kern="1200">
+        <a:solidFill>
+          <a:schemeClr val="tx1"/>
+        </a:solidFill>
+        <a:latin typeface="+mn-lt"/>
+        <a:ea typeface="+mn-ea"/>
+        <a:cs typeface="+mn-cs"/>
+      </a:defRPr>
+    </a:lvl5pPr>
+    <a:lvl6pPr marL="2286000" algn="l" defTabSz="914400" rtl="0" eaLnBrk="1" latinLnBrk="0" hangingPunct="1">
+      <a:defRPr kumimoji="1" sz="1200" kern="1200">
+        <a:solidFill>
+          <a:schemeClr val="tx1"/>
+        </a:solidFill>
+        <a:latin typeface="+mn-lt"/>
+        <a:ea typeface="+mn-ea"/>
+        <a:cs typeface="+mn-cs"/>
+      </a:defRPr>
+    </a:lvl6pPr>
+    <a:lvl7pPr marL="2743200" algn="l" defTabSz="914400" rtl="0" eaLnBrk="1" latinLnBrk="0" hangingPunct="1">
+      <a:defRPr kumimoji="1" sz="1200" kern="1200">
+        <a:solidFill>
+          <a:schemeClr val="tx1"/>
+        </a:solidFill>
+        <a:latin typeface="+mn-lt"/>
+        <a:ea typeface="+mn-ea"/>
+        <a:cs typeface="+mn-cs"/>
+      </a:defRPr>
+    </a:lvl7pPr>
+    <a:lvl8pPr marL="3200400" algn="l" defTabSz="914400" rtl="0" eaLnBrk="1" latinLnBrk="0" hangingPunct="1">
+      <a:defRPr kumimoji="1" sz="1200" kern="1200">
+        <a:solidFill>
+          <a:schemeClr val="tx1"/>
+        </a:solidFill>
+        <a:latin typeface="+mn-lt"/>
+        <a:ea typeface="+mn-ea"/>
+        <a:cs typeface="+mn-cs"/>
+      </a:defRPr>
+    </a:lvl8pPr>
+    <a:lvl9pPr marL="3657600" algn="l" defTabSz="914400" rtl="0" eaLnBrk="1" latinLnBrk="0" hangingPunct="1">
+      <a:defRPr kumimoji="1" sz="1200" kern="1200">
+        <a:solidFill>
+          <a:schemeClr val="tx1"/>
+        </a:solidFill>
+        <a:latin typeface="+mn-lt"/>
+        <a:ea typeface="+mn-ea"/>
+        <a:cs typeface="+mn-cs"/>
+      </a:defRPr>
+    </a:lvl9pPr>
+  </p:notesStyle>
+</p:notesMaster>
+</file>
+
+<file path=ppt/notesSlides/notesSlide1.xml><?xml version="1.0" encoding="utf-8"?>
+<p:notes xmlns:a="http://schemas.openxmlformats.org/drawingml/2006/main" xmlns:r="http://schemas.openxmlformats.org/officeDocument/2006/relationships" xmlns:p="http://schemas.openxmlformats.org/presentationml/2006/main">
+  <p:cSld>
+    <p:spTree>
+      <p:nvGrpSpPr>
+        <p:cNvPr id="1" name=""/>
+        <p:cNvGrpSpPr/>
+        <p:nvPr/>
+      </p:nvGrpSpPr>
+      <p:grpSpPr>
+        <a:xfrm>
+          <a:off x="0" y="0"/>
+          <a:ext cx="0" cy="0"/>
+          <a:chOff x="0" y="0"/>
+          <a:chExt cx="0" cy="0"/>
+        </a:xfrm>
+      </p:grpSpPr>
+      <p:sp>
+        <p:nvSpPr>
+          <p:cNvPr id="2" name="スライド イメージ プレースホルダー 1"/>
+          <p:cNvSpPr>
+            <a:spLocks noGrp="1" noRot="1" noChangeAspect="1"/>
+          </p:cNvSpPr>
+          <p:nvPr>
+            <p:ph type="sldImg"/>
+          </p:nvPr>
+        </p:nvSpPr>
+        <p:spPr/>
+      </p:sp>
+      <p:sp>
+        <p:nvSpPr>
+          <p:cNvPr id="3" name="ノート プレースホルダー 2"/>
+          <p:cNvSpPr>
+            <a:spLocks noGrp="1"/>
+          </p:cNvSpPr>
+          <p:nvPr>
+            <p:ph type="body" idx="1"/>
+          </p:nvPr>
+        </p:nvSpPr>
+        <p:spPr/>
+        <p:txBody>
+          <a:bodyPr/>
+          <a:lstStyle/>
+          <a:p>
+            <a:endParaRPr kumimoji="1" lang="ja-JP" altLang="en-US" dirty="0"/>
+          </a:p>
+        </p:txBody>
+      </p:sp>
+      <p:sp>
+        <p:nvSpPr>
+          <p:cNvPr id="4" name="スライド番号プレースホルダー 3"/>
+          <p:cNvSpPr>
+            <a:spLocks noGrp="1"/>
+          </p:cNvSpPr>
+          <p:nvPr>
+            <p:ph type="sldNum" sz="quarter" idx="5"/>
+          </p:nvPr>
+        </p:nvSpPr>
+        <p:spPr/>
+        <p:txBody>
+          <a:bodyPr/>
+          <a:lstStyle/>
+          <a:p>
+            <a:fld id="{8E6BD74E-BCEC-4DEE-AC67-C7F1075E7686}" type="slidenum">
+              <a:rPr kumimoji="1" lang="ja-JP" altLang="en-US" smtClean="0"/>
+              <a:t>2</a:t>
+            </a:fld>
+            <a:endParaRPr kumimoji="1" lang="ja-JP" altLang="en-US"/>
+          </a:p>
+        </p:txBody>
+      </p:sp>
+    </p:spTree>
+    <p:extLst>
+      <p:ext uri="{BB962C8B-B14F-4D97-AF65-F5344CB8AC3E}">
+        <p14:creationId xmlns:p14="http://schemas.microsoft.com/office/powerpoint/2010/main" val="2578603477"/>
+      </p:ext>
+    </p:extLst>
+  </p:cSld>
+  <p:clrMapOvr>
+    <a:masterClrMapping/>
+  </p:clrMapOvr>
+</p:notes>
 </file>
 
 <file path=ppt/slideLayouts/slideLayout1.xml><?xml version="1.0" encoding="utf-8"?>
@@ -3807,7 +4275,7 @@
           <p:nvPr/>
         </p:nvPicPr>
         <p:blipFill>
-          <a:blip r:embed="rId2">
+          <a:blip r:embed="rId3">
             <a:extLst>
               <a:ext uri="{28A0092B-C50C-407E-A947-70E740481C1C}">
                 <a14:useLocalDpi xmlns:a14="http://schemas.microsoft.com/office/drawing/2010/main" val="0"/>
@@ -3927,7 +4395,7 @@
           <p:nvPr/>
         </p:nvPicPr>
         <p:blipFill>
-          <a:blip r:embed="rId3">
+          <a:blip r:embed="rId4">
             <a:extLst>
               <a:ext uri="{28A0092B-C50C-407E-A947-70E740481C1C}">
                 <a14:useLocalDpi xmlns:a14="http://schemas.microsoft.com/office/drawing/2010/main" val="0"/>
@@ -4785,12 +5253,8 @@
               <a:t>By</a:t>
             </a:r>
             <a:r>
-              <a:rPr lang="ja-JP" altLang="en-US" sz="2000"/>
-              <a:t>　公式</a:t>
-            </a:r>
-            <a:r>
               <a:rPr lang="ja-JP" altLang="en-US" sz="2000" dirty="0"/>
-              <a:t>引用</a:t>
+              <a:t>　口コミサイト引用</a:t>
             </a:r>
             <a:endParaRPr lang="en-US" altLang="ja-JP" sz="2000" dirty="0"/>
           </a:p>
@@ -6154,4 +6618,299 @@
     </a:ext>
   </a:extLst>
 </a:theme>
+</file>
+
+<file path=ppt/theme/theme2.xml><?xml version="1.0" encoding="utf-8"?>
+<a:theme xmlns:a="http://schemas.openxmlformats.org/drawingml/2006/main" name="Office テーマ">
+  <a:themeElements>
+    <a:clrScheme name="Office">
+      <a:dk1>
+        <a:sysClr val="windowText" lastClr="000000"/>
+      </a:dk1>
+      <a:lt1>
+        <a:sysClr val="window" lastClr="FFFFFF"/>
+      </a:lt1>
+      <a:dk2>
+        <a:srgbClr val="44546A"/>
+      </a:dk2>
+      <a:lt2>
+        <a:srgbClr val="E7E6E6"/>
+      </a:lt2>
+      <a:accent1>
+        <a:srgbClr val="4472C4"/>
+      </a:accent1>
+      <a:accent2>
+        <a:srgbClr val="ED7D31"/>
+      </a:accent2>
+      <a:accent3>
+        <a:srgbClr val="A5A5A5"/>
+      </a:accent3>
+      <a:accent4>
+        <a:srgbClr val="FFC000"/>
+      </a:accent4>
+      <a:accent5>
+        <a:srgbClr val="5B9BD5"/>
+      </a:accent5>
+      <a:accent6>
+        <a:srgbClr val="70AD47"/>
+      </a:accent6>
+      <a:hlink>
+        <a:srgbClr val="0563C1"/>
+      </a:hlink>
+      <a:folHlink>
+        <a:srgbClr val="954F72"/>
+      </a:folHlink>
+    </a:clrScheme>
+    <a:fontScheme name="Office">
+      <a:majorFont>
+        <a:latin typeface="游ゴシック Light" panose="020F0302020204030204"/>
+        <a:ea typeface=""/>
+        <a:cs typeface=""/>
+        <a:font script="Jpan" typeface="游ゴシック Light"/>
+        <a:font script="Hang" typeface="맑은 고딕"/>
+        <a:font script="Hans" typeface="等线 Light"/>
+        <a:font script="Hant" typeface="新細明體"/>
+        <a:font script="Arab" typeface="Times New Roman"/>
+        <a:font script="Hebr" typeface="Times New Roman"/>
+        <a:font script="Thai" typeface="Angsana New"/>
+        <a:font script="Ethi" typeface="Nyala"/>
+        <a:font script="Beng" typeface="Vrinda"/>
+        <a:font script="Gujr" typeface="Shruti"/>
+        <a:font script="Khmr" typeface="MoolBoran"/>
+        <a:font script="Knda" typeface="Tunga"/>
+        <a:font script="Guru" typeface="Raavi"/>
+        <a:font script="Cans" typeface="Euphemia"/>
+        <a:font script="Cher" typeface="Plantagenet Cherokee"/>
+        <a:font script="Yiii" typeface="Microsoft Yi Baiti"/>
+        <a:font script="Tibt" typeface="Microsoft Himalaya"/>
+        <a:font script="Thaa" typeface="MV Boli"/>
+        <a:font script="Deva" typeface="Mangal"/>
+        <a:font script="Telu" typeface="Gautami"/>
+        <a:font script="Taml" typeface="Latha"/>
+        <a:font script="Syrc" typeface="Estrangelo Edessa"/>
+        <a:font script="Orya" typeface="Kalinga"/>
+        <a:font script="Mlym" typeface="Kartika"/>
+        <a:font script="Laoo" typeface="DokChampa"/>
+        <a:font script="Sinh" typeface="Iskoola Pota"/>
+        <a:font script="Mong" typeface="Mongolian Baiti"/>
+        <a:font script="Viet" typeface="Times New Roman"/>
+        <a:font script="Uigh" typeface="Microsoft Uighur"/>
+        <a:font script="Geor" typeface="Sylfaen"/>
+        <a:font script="Armn" typeface="Arial"/>
+        <a:font script="Bugi" typeface="Leelawadee UI"/>
+        <a:font script="Bopo" typeface="Microsoft JhengHei"/>
+        <a:font script="Java" typeface="Javanese Text"/>
+        <a:font script="Lisu" typeface="Segoe UI"/>
+        <a:font script="Mymr" typeface="Myanmar Text"/>
+        <a:font script="Nkoo" typeface="Ebrima"/>
+        <a:font script="Olck" typeface="Nirmala UI"/>
+        <a:font script="Osma" typeface="Ebrima"/>
+        <a:font script="Phag" typeface="Phagspa"/>
+        <a:font script="Syrn" typeface="Estrangelo Edessa"/>
+        <a:font script="Syrj" typeface="Estrangelo Edessa"/>
+        <a:font script="Syre" typeface="Estrangelo Edessa"/>
+        <a:font script="Sora" typeface="Nirmala UI"/>
+        <a:font script="Tale" typeface="Microsoft Tai Le"/>
+        <a:font script="Talu" typeface="Microsoft New Tai Lue"/>
+        <a:font script="Tfng" typeface="Ebrima"/>
+      </a:majorFont>
+      <a:minorFont>
+        <a:latin typeface="游ゴシック" panose="020F0502020204030204"/>
+        <a:ea typeface=""/>
+        <a:cs typeface=""/>
+        <a:font script="Jpan" typeface="游ゴシック"/>
+        <a:font script="Hang" typeface="맑은 고딕"/>
+        <a:font script="Hans" typeface="等线"/>
+        <a:font script="Hant" typeface="新細明體"/>
+        <a:font script="Arab" typeface="Arial"/>
+        <a:font script="Hebr" typeface="Arial"/>
+        <a:font script="Thai" typeface="Cordia New"/>
+        <a:font script="Ethi" typeface="Nyala"/>
+        <a:font script="Beng" typeface="Vrinda"/>
+        <a:font script="Gujr" typeface="Shruti"/>
+        <a:font script="Khmr" typeface="DaunPenh"/>
+        <a:font script="Knda" typeface="Tunga"/>
+        <a:font script="Guru" typeface="Raavi"/>
+        <a:font script="Cans" typeface="Euphemia"/>
+        <a:font script="Cher" typeface="Plantagenet Cherokee"/>
+        <a:font script="Yiii" typeface="Microsoft Yi Baiti"/>
+        <a:font script="Tibt" typeface="Microsoft Himalaya"/>
+        <a:font script="Thaa" typeface="MV Boli"/>
+        <a:font script="Deva" typeface="Mangal"/>
+        <a:font script="Telu" typeface="Gautami"/>
+        <a:font script="Taml" typeface="Latha"/>
+        <a:font script="Syrc" typeface="Estrangelo Edessa"/>
+        <a:font script="Orya" typeface="Kalinga"/>
+        <a:font script="Mlym" typeface="Kartika"/>
+        <a:font script="Laoo" typeface="DokChampa"/>
+        <a:font script="Sinh" typeface="Iskoola Pota"/>
+        <a:font script="Mong" typeface="Mongolian Baiti"/>
+        <a:font script="Viet" typeface="Arial"/>
+        <a:font script="Uigh" typeface="Microsoft Uighur"/>
+        <a:font script="Geor" typeface="Sylfaen"/>
+        <a:font script="Armn" typeface="Arial"/>
+        <a:font script="Bugi" typeface="Leelawadee UI"/>
+        <a:font script="Bopo" typeface="Microsoft JhengHei"/>
+        <a:font script="Java" typeface="Javanese Text"/>
+        <a:font script="Lisu" typeface="Segoe UI"/>
+        <a:font script="Mymr" typeface="Myanmar Text"/>
+        <a:font script="Nkoo" typeface="Ebrima"/>
+        <a:font script="Olck" typeface="Nirmala UI"/>
+        <a:font script="Osma" typeface="Ebrima"/>
+        <a:font script="Phag" typeface="Phagspa"/>
+        <a:font script="Syrn" typeface="Estrangelo Edessa"/>
+        <a:font script="Syrj" typeface="Estrangelo Edessa"/>
+        <a:font script="Syre" typeface="Estrangelo Edessa"/>
+        <a:font script="Sora" typeface="Nirmala UI"/>
+        <a:font script="Tale" typeface="Microsoft Tai Le"/>
+        <a:font script="Talu" typeface="Microsoft New Tai Lue"/>
+        <a:font script="Tfng" typeface="Ebrima"/>
+      </a:minorFont>
+    </a:fontScheme>
+    <a:fmtScheme name="Office">
+      <a:fillStyleLst>
+        <a:solidFill>
+          <a:schemeClr val="phClr"/>
+        </a:solidFill>
+        <a:gradFill rotWithShape="1">
+          <a:gsLst>
+            <a:gs pos="0">
+              <a:schemeClr val="phClr">
+                <a:lumMod val="110000"/>
+                <a:satMod val="105000"/>
+                <a:tint val="67000"/>
+              </a:schemeClr>
+            </a:gs>
+            <a:gs pos="50000">
+              <a:schemeClr val="phClr">
+                <a:lumMod val="105000"/>
+                <a:satMod val="103000"/>
+                <a:tint val="73000"/>
+              </a:schemeClr>
+            </a:gs>
+            <a:gs pos="100000">
+              <a:schemeClr val="phClr">
+                <a:lumMod val="105000"/>
+                <a:satMod val="109000"/>
+                <a:tint val="81000"/>
+              </a:schemeClr>
+            </a:gs>
+          </a:gsLst>
+          <a:lin ang="5400000" scaled="0"/>
+        </a:gradFill>
+        <a:gradFill rotWithShape="1">
+          <a:gsLst>
+            <a:gs pos="0">
+              <a:schemeClr val="phClr">
+                <a:satMod val="103000"/>
+                <a:lumMod val="102000"/>
+                <a:tint val="94000"/>
+              </a:schemeClr>
+            </a:gs>
+            <a:gs pos="50000">
+              <a:schemeClr val="phClr">
+                <a:satMod val="110000"/>
+                <a:lumMod val="100000"/>
+                <a:shade val="100000"/>
+              </a:schemeClr>
+            </a:gs>
+            <a:gs pos="100000">
+              <a:schemeClr val="phClr">
+                <a:lumMod val="99000"/>
+                <a:satMod val="120000"/>
+                <a:shade val="78000"/>
+              </a:schemeClr>
+            </a:gs>
+          </a:gsLst>
+          <a:lin ang="5400000" scaled="0"/>
+        </a:gradFill>
+      </a:fillStyleLst>
+      <a:lnStyleLst>
+        <a:ln w="6350" cap="flat" cmpd="sng" algn="ctr">
+          <a:solidFill>
+            <a:schemeClr val="phClr"/>
+          </a:solidFill>
+          <a:prstDash val="solid"/>
+          <a:miter lim="800000"/>
+        </a:ln>
+        <a:ln w="12700" cap="flat" cmpd="sng" algn="ctr">
+          <a:solidFill>
+            <a:schemeClr val="phClr"/>
+          </a:solidFill>
+          <a:prstDash val="solid"/>
+          <a:miter lim="800000"/>
+        </a:ln>
+        <a:ln w="19050" cap="flat" cmpd="sng" algn="ctr">
+          <a:solidFill>
+            <a:schemeClr val="phClr"/>
+          </a:solidFill>
+          <a:prstDash val="solid"/>
+          <a:miter lim="800000"/>
+        </a:ln>
+      </a:lnStyleLst>
+      <a:effectStyleLst>
+        <a:effectStyle>
+          <a:effectLst/>
+        </a:effectStyle>
+        <a:effectStyle>
+          <a:effectLst/>
+        </a:effectStyle>
+        <a:effectStyle>
+          <a:effectLst>
+            <a:outerShdw blurRad="57150" dist="19050" dir="5400000" algn="ctr" rotWithShape="0">
+              <a:srgbClr val="000000">
+                <a:alpha val="63000"/>
+              </a:srgbClr>
+            </a:outerShdw>
+          </a:effectLst>
+        </a:effectStyle>
+      </a:effectStyleLst>
+      <a:bgFillStyleLst>
+        <a:solidFill>
+          <a:schemeClr val="phClr"/>
+        </a:solidFill>
+        <a:solidFill>
+          <a:schemeClr val="phClr">
+            <a:tint val="95000"/>
+            <a:satMod val="170000"/>
+          </a:schemeClr>
+        </a:solidFill>
+        <a:gradFill rotWithShape="1">
+          <a:gsLst>
+            <a:gs pos="0">
+              <a:schemeClr val="phClr">
+                <a:tint val="93000"/>
+                <a:satMod val="150000"/>
+                <a:shade val="98000"/>
+                <a:lumMod val="102000"/>
+              </a:schemeClr>
+            </a:gs>
+            <a:gs pos="50000">
+              <a:schemeClr val="phClr">
+                <a:tint val="98000"/>
+                <a:satMod val="130000"/>
+                <a:shade val="90000"/>
+                <a:lumMod val="103000"/>
+              </a:schemeClr>
+            </a:gs>
+            <a:gs pos="100000">
+              <a:schemeClr val="phClr">
+                <a:shade val="63000"/>
+                <a:satMod val="120000"/>
+              </a:schemeClr>
+            </a:gs>
+          </a:gsLst>
+          <a:lin ang="5400000" scaled="0"/>
+        </a:gradFill>
+      </a:bgFillStyleLst>
+    </a:fmtScheme>
+  </a:themeElements>
+  <a:objectDefaults/>
+  <a:extraClrSchemeLst/>
+  <a:extLst>
+    <a:ext uri="{05A4C25C-085E-4340-85A3-A5531E510DB2}">
+      <thm15:themeFamily xmlns:thm15="http://schemas.microsoft.com/office/thememl/2012/main" name="Office Theme" id="{62F939B6-93AF-4DB8-9C6B-D6C7DFDC589F}" vid="{4A3C46E8-61CC-4603-A589-7422A47A8E4A}"/>
+    </a:ext>
+  </a:extLst>
+</a:theme>
 </file>
--- a/kikaku_2_夏休みのイベント/夏休みの体験.pptx
+++ b/kikaku_2_夏休みのイベント/夏休みの体験.pptx
@@ -4240,6 +4240,18 @@
   <p:clrMapOvr>
     <a:masterClrMapping/>
   </p:clrMapOvr>
+  <mc:AlternateContent xmlns:mc="http://schemas.openxmlformats.org/markup-compatibility/2006">
+    <mc:Choice xmlns:p159="http://schemas.microsoft.com/office/powerpoint/2015/09/main" Requires="p159">
+      <p:transition xmlns:p14="http://schemas.microsoft.com/office/powerpoint/2010/main" spd="slow" p14:dur="2000">
+        <p159:morph option="byObject"/>
+      </p:transition>
+    </mc:Choice>
+    <mc:Fallback>
+      <p:transition spd="slow">
+        <p:fade/>
+      </p:transition>
+    </mc:Fallback>
+  </mc:AlternateContent>
 </p:sld>
 </file>
 
@@ -4426,6 +4438,9 @@
   <p:clrMapOvr>
     <a:masterClrMapping/>
   </p:clrMapOvr>
+  <p:transition spd="slow">
+    <p:wipe/>
+  </p:transition>
   <p:timing>
     <p:tnLst>
       <p:par>
@@ -5093,6 +5108,9 @@
   <p:clrMapOvr>
     <a:masterClrMapping/>
   </p:clrMapOvr>
+  <p:transition spd="slow">
+    <p:randomBar dir="vert"/>
+  </p:transition>
 </p:sld>
 </file>
 
@@ -5310,6 +5328,9 @@
   <p:clrMapOvr>
     <a:masterClrMapping/>
   </p:clrMapOvr>
+  <p:transition spd="med">
+    <p:pull/>
+  </p:transition>
   <p:timing>
     <p:tnLst>
       <p:par>
@@ -6010,6 +6031,18 @@
   <p:clrMapOvr>
     <a:masterClrMapping/>
   </p:clrMapOvr>
+  <mc:AlternateContent xmlns:mc="http://schemas.openxmlformats.org/markup-compatibility/2006">
+    <mc:Choice xmlns:p15="http://schemas.microsoft.com/office/powerpoint/2012/main" Requires="p15">
+      <p:transition xmlns:p14="http://schemas.microsoft.com/office/powerpoint/2010/main" spd="slow" p14:dur="1250">
+        <p15:prstTrans prst="peelOff"/>
+      </p:transition>
+    </mc:Choice>
+    <mc:Fallback>
+      <p:transition spd="slow">
+        <p:fade/>
+      </p:transition>
+    </mc:Fallback>
+  </mc:AlternateContent>
   <p:timing>
     <p:tnLst>
       <p:par>
